--- a/Đồ án tốt nghiệp.pptx
+++ b/Đồ án tốt nghiệp.pptx
@@ -29,20 +29,20 @@
   <p:notesSz cx="6858000" cy="9144000"/>
   <p:embeddedFontLst>
     <p:embeddedFont>
-      <p:font typeface="Calibri Light" panose="020F0302020204030204" pitchFamily="34" charset="0"/>
+      <p:font typeface="Calibri" panose="020F0502020204030204" pitchFamily="34" charset="0"/>
       <p:regular r:id="rId19"/>
-      <p:italic r:id="rId20"/>
+      <p:bold r:id="rId20"/>
+      <p:italic r:id="rId21"/>
+      <p:boldItalic r:id="rId22"/>
     </p:embeddedFont>
     <p:embeddedFont>
       <p:font typeface="Bebas Neue" panose="020B0604020202020204" charset="0"/>
-      <p:regular r:id="rId21"/>
+      <p:regular r:id="rId23"/>
     </p:embeddedFont>
     <p:embeddedFont>
-      <p:font typeface="Calibri" panose="020F0502020204030204" pitchFamily="34" charset="0"/>
-      <p:regular r:id="rId22"/>
-      <p:bold r:id="rId23"/>
-      <p:italic r:id="rId24"/>
-      <p:boldItalic r:id="rId25"/>
+      <p:font typeface="Calibri Light" panose="020F0302020204030204" pitchFamily="34" charset="0"/>
+      <p:regular r:id="rId24"/>
+      <p:italic r:id="rId25"/>
     </p:embeddedFont>
   </p:embeddedFontLst>
   <p:defaultTextStyle>
@@ -8412,14 +8412,14 @@
           <p:nvPr>
             <p:extLst>
               <p:ext uri="{D42A27DB-BD31-4B8C-83A1-F6EECF244321}">
-                <p14:modId xmlns:p14="http://schemas.microsoft.com/office/powerpoint/2010/main" val="2859086798"/>
+                <p14:modId xmlns:p14="http://schemas.microsoft.com/office/powerpoint/2010/main" val="165156532"/>
               </p:ext>
             </p:extLst>
           </p:nvPr>
         </p:nvGraphicFramePr>
         <p:xfrm>
           <a:off x="1590675" y="1370397"/>
-          <a:ext cx="5751380" cy="2593146"/>
+          <a:ext cx="5751380" cy="2578859"/>
         </p:xfrm>
         <a:graphic>
           <a:graphicData uri="http://schemas.openxmlformats.org/drawingml/2006/table">
@@ -9224,12 +9224,44 @@
                         <a:t> </a:t>
                       </a:r>
                       <a:r>
+                        <a:rPr lang="en-US" sz="1300" dirty="0" err="1" smtClean="0">
+                          <a:effectLst/>
+                          <a:latin typeface="Times New Roman" panose="02020603050405020304" pitchFamily="18" charset="0"/>
+                          <a:cs typeface="Times New Roman" panose="02020603050405020304" pitchFamily="18" charset="0"/>
+                        </a:rPr>
+                        <a:t>ra</a:t>
+                      </a:r>
+                      <a:r>
+                        <a:rPr lang="en-US" sz="1300" dirty="0" smtClean="0">
+                          <a:effectLst/>
+                          <a:latin typeface="Times New Roman" panose="02020603050405020304" pitchFamily="18" charset="0"/>
+                          <a:cs typeface="Times New Roman" panose="02020603050405020304" pitchFamily="18" charset="0"/>
+                        </a:rPr>
+                        <a:t> </a:t>
+                      </a:r>
+                      <a:r>
+                        <a:rPr lang="en-US" sz="1300" dirty="0" err="1" smtClean="0">
+                          <a:effectLst/>
+                          <a:latin typeface="Times New Roman" panose="02020603050405020304" pitchFamily="18" charset="0"/>
+                          <a:cs typeface="Times New Roman" panose="02020603050405020304" pitchFamily="18" charset="0"/>
+                        </a:rPr>
+                        <a:t>lượng</a:t>
+                      </a:r>
+                      <a:r>
+                        <a:rPr lang="en-US" sz="1300" dirty="0" smtClean="0">
+                          <a:effectLst/>
+                          <a:latin typeface="Times New Roman" panose="02020603050405020304" pitchFamily="18" charset="0"/>
+                          <a:cs typeface="Times New Roman" panose="02020603050405020304" pitchFamily="18" charset="0"/>
+                        </a:rPr>
+                        <a:t> </a:t>
+                      </a:r>
+                      <a:r>
                         <a:rPr lang="en-US" sz="1300" dirty="0" err="1">
                           <a:effectLst/>
                           <a:latin typeface="Times New Roman" panose="02020603050405020304" pitchFamily="18" charset="0"/>
                           <a:cs typeface="Times New Roman" panose="02020603050405020304" pitchFamily="18" charset="0"/>
                         </a:rPr>
-                        <a:t>ra</a:t>
+                        <a:t>tải</a:t>
                       </a:r>
                       <a:r>
                         <a:rPr lang="en-US" sz="1300" dirty="0">
@@ -9245,122 +9277,122 @@
                           <a:latin typeface="Times New Roman" panose="02020603050405020304" pitchFamily="18" charset="0"/>
                           <a:cs typeface="Times New Roman" panose="02020603050405020304" pitchFamily="18" charset="0"/>
                         </a:rPr>
+                        <a:t>không</a:t>
+                      </a:r>
+                      <a:r>
+                        <a:rPr lang="en-US" sz="1300" dirty="0">
+                          <a:effectLst/>
+                          <a:latin typeface="Times New Roman" panose="02020603050405020304" pitchFamily="18" charset="0"/>
+                          <a:cs typeface="Times New Roman" panose="02020603050405020304" pitchFamily="18" charset="0"/>
+                        </a:rPr>
+                        <a:t> </a:t>
+                      </a:r>
+                      <a:r>
+                        <a:rPr lang="en-US" sz="1300" dirty="0" err="1">
+                          <a:effectLst/>
+                          <a:latin typeface="Times New Roman" panose="02020603050405020304" pitchFamily="18" charset="0"/>
+                          <a:cs typeface="Times New Roman" panose="02020603050405020304" pitchFamily="18" charset="0"/>
+                        </a:rPr>
+                        <a:t>giới</a:t>
+                      </a:r>
+                      <a:r>
+                        <a:rPr lang="en-US" sz="1300" dirty="0">
+                          <a:effectLst/>
+                          <a:latin typeface="Times New Roman" panose="02020603050405020304" pitchFamily="18" charset="0"/>
+                          <a:cs typeface="Times New Roman" panose="02020603050405020304" pitchFamily="18" charset="0"/>
+                        </a:rPr>
+                        <a:t> </a:t>
+                      </a:r>
+                      <a:r>
+                        <a:rPr lang="en-US" sz="1300" dirty="0" err="1">
+                          <a:effectLst/>
+                          <a:latin typeface="Times New Roman" panose="02020603050405020304" pitchFamily="18" charset="0"/>
+                          <a:cs typeface="Times New Roman" panose="02020603050405020304" pitchFamily="18" charset="0"/>
+                        </a:rPr>
+                        <a:t>hạn</a:t>
+                      </a:r>
+                      <a:r>
+                        <a:rPr lang="en-US" sz="1300" dirty="0">
+                          <a:effectLst/>
+                          <a:latin typeface="Times New Roman" panose="02020603050405020304" pitchFamily="18" charset="0"/>
+                          <a:cs typeface="Times New Roman" panose="02020603050405020304" pitchFamily="18" charset="0"/>
+                        </a:rPr>
+                        <a:t> </a:t>
+                      </a:r>
+                      <a:r>
+                        <a:rPr lang="en-US" sz="1300" dirty="0" err="1">
+                          <a:effectLst/>
+                          <a:latin typeface="Times New Roman" panose="02020603050405020304" pitchFamily="18" charset="0"/>
+                          <a:cs typeface="Times New Roman" panose="02020603050405020304" pitchFamily="18" charset="0"/>
+                        </a:rPr>
+                        <a:t>cho</a:t>
+                      </a:r>
+                      <a:r>
+                        <a:rPr lang="en-US" sz="1300" dirty="0">
+                          <a:effectLst/>
+                          <a:latin typeface="Times New Roman" panose="02020603050405020304" pitchFamily="18" charset="0"/>
+                          <a:cs typeface="Times New Roman" panose="02020603050405020304" pitchFamily="18" charset="0"/>
+                        </a:rPr>
+                        <a:t> </a:t>
+                      </a:r>
+                      <a:r>
+                        <a:rPr lang="en-US" sz="1300" dirty="0" err="1">
+                          <a:effectLst/>
+                          <a:latin typeface="Times New Roman" panose="02020603050405020304" pitchFamily="18" charset="0"/>
+                          <a:cs typeface="Times New Roman" panose="02020603050405020304" pitchFamily="18" charset="0"/>
+                        </a:rPr>
+                        <a:t>kiểm</a:t>
+                      </a:r>
+                      <a:r>
+                        <a:rPr lang="en-US" sz="1300" dirty="0">
+                          <a:effectLst/>
+                          <a:latin typeface="Times New Roman" panose="02020603050405020304" pitchFamily="18" charset="0"/>
+                          <a:cs typeface="Times New Roman" panose="02020603050405020304" pitchFamily="18" charset="0"/>
+                        </a:rPr>
+                        <a:t> </a:t>
+                      </a:r>
+                      <a:r>
+                        <a:rPr lang="en-US" sz="1300" dirty="0" err="1">
+                          <a:effectLst/>
+                          <a:latin typeface="Times New Roman" panose="02020603050405020304" pitchFamily="18" charset="0"/>
+                          <a:cs typeface="Times New Roman" panose="02020603050405020304" pitchFamily="18" charset="0"/>
+                        </a:rPr>
+                        <a:t>thử</a:t>
+                      </a:r>
+                      <a:r>
+                        <a:rPr lang="en-US" sz="1300" dirty="0">
+                          <a:effectLst/>
+                          <a:latin typeface="Times New Roman" panose="02020603050405020304" pitchFamily="18" charset="0"/>
+                          <a:cs typeface="Times New Roman" panose="02020603050405020304" pitchFamily="18" charset="0"/>
+                        </a:rPr>
+                        <a:t> </a:t>
+                      </a:r>
+                      <a:r>
+                        <a:rPr lang="en-US" sz="1300" dirty="0" err="1" smtClean="0">
+                          <a:effectLst/>
+                          <a:latin typeface="Times New Roman" panose="02020603050405020304" pitchFamily="18" charset="0"/>
+                          <a:cs typeface="Times New Roman" panose="02020603050405020304" pitchFamily="18" charset="0"/>
+                        </a:rPr>
+                        <a:t>trọng</a:t>
+                      </a:r>
+                      <a:r>
+                        <a:rPr lang="en-US" sz="1300" baseline="0" dirty="0" smtClean="0">
+                          <a:effectLst/>
+                          <a:latin typeface="Times New Roman" panose="02020603050405020304" pitchFamily="18" charset="0"/>
+                          <a:cs typeface="Times New Roman" panose="02020603050405020304" pitchFamily="18" charset="0"/>
+                        </a:rPr>
+                        <a:t> </a:t>
+                      </a:r>
+                      <a:r>
+                        <a:rPr lang="en-US" sz="1300" dirty="0" err="1" smtClean="0">
+                          <a:effectLst/>
+                          <a:latin typeface="Times New Roman" panose="02020603050405020304" pitchFamily="18" charset="0"/>
+                          <a:cs typeface="Times New Roman" panose="02020603050405020304" pitchFamily="18" charset="0"/>
+                        </a:rPr>
                         <a:t>tải</a:t>
                       </a:r>
                       <a:r>
-                        <a:rPr lang="en-US" sz="1300" dirty="0">
-                          <a:effectLst/>
-                          <a:latin typeface="Times New Roman" panose="02020603050405020304" pitchFamily="18" charset="0"/>
-                          <a:cs typeface="Times New Roman" panose="02020603050405020304" pitchFamily="18" charset="0"/>
-                        </a:rPr>
-                        <a:t> </a:t>
-                      </a:r>
-                      <a:r>
-                        <a:rPr lang="en-US" sz="1300" dirty="0" err="1">
-                          <a:effectLst/>
-                          <a:latin typeface="Times New Roman" panose="02020603050405020304" pitchFamily="18" charset="0"/>
-                          <a:cs typeface="Times New Roman" panose="02020603050405020304" pitchFamily="18" charset="0"/>
-                        </a:rPr>
-                        <a:t>không</a:t>
-                      </a:r>
-                      <a:r>
-                        <a:rPr lang="en-US" sz="1300" dirty="0">
-                          <a:effectLst/>
-                          <a:latin typeface="Times New Roman" panose="02020603050405020304" pitchFamily="18" charset="0"/>
-                          <a:cs typeface="Times New Roman" panose="02020603050405020304" pitchFamily="18" charset="0"/>
-                        </a:rPr>
-                        <a:t> </a:t>
-                      </a:r>
-                      <a:r>
-                        <a:rPr lang="en-US" sz="1300" dirty="0" err="1">
-                          <a:effectLst/>
-                          <a:latin typeface="Times New Roman" panose="02020603050405020304" pitchFamily="18" charset="0"/>
-                          <a:cs typeface="Times New Roman" panose="02020603050405020304" pitchFamily="18" charset="0"/>
-                        </a:rPr>
-                        <a:t>giới</a:t>
-                      </a:r>
-                      <a:r>
-                        <a:rPr lang="en-US" sz="1300" dirty="0">
-                          <a:effectLst/>
-                          <a:latin typeface="Times New Roman" panose="02020603050405020304" pitchFamily="18" charset="0"/>
-                          <a:cs typeface="Times New Roman" panose="02020603050405020304" pitchFamily="18" charset="0"/>
-                        </a:rPr>
-                        <a:t> </a:t>
-                      </a:r>
-                      <a:r>
-                        <a:rPr lang="en-US" sz="1300" dirty="0" err="1">
-                          <a:effectLst/>
-                          <a:latin typeface="Times New Roman" panose="02020603050405020304" pitchFamily="18" charset="0"/>
-                          <a:cs typeface="Times New Roman" panose="02020603050405020304" pitchFamily="18" charset="0"/>
-                        </a:rPr>
-                        <a:t>hạn</a:t>
-                      </a:r>
-                      <a:r>
-                        <a:rPr lang="en-US" sz="1300" dirty="0">
-                          <a:effectLst/>
-                          <a:latin typeface="Times New Roman" panose="02020603050405020304" pitchFamily="18" charset="0"/>
-                          <a:cs typeface="Times New Roman" panose="02020603050405020304" pitchFamily="18" charset="0"/>
-                        </a:rPr>
-                        <a:t> </a:t>
-                      </a:r>
-                      <a:r>
-                        <a:rPr lang="en-US" sz="1300" dirty="0" err="1">
-                          <a:effectLst/>
-                          <a:latin typeface="Times New Roman" panose="02020603050405020304" pitchFamily="18" charset="0"/>
-                          <a:cs typeface="Times New Roman" panose="02020603050405020304" pitchFamily="18" charset="0"/>
-                        </a:rPr>
-                        <a:t>cho</a:t>
-                      </a:r>
-                      <a:r>
-                        <a:rPr lang="en-US" sz="1300" dirty="0">
-                          <a:effectLst/>
-                          <a:latin typeface="Times New Roman" panose="02020603050405020304" pitchFamily="18" charset="0"/>
-                          <a:cs typeface="Times New Roman" panose="02020603050405020304" pitchFamily="18" charset="0"/>
-                        </a:rPr>
-                        <a:t> </a:t>
-                      </a:r>
-                      <a:r>
-                        <a:rPr lang="en-US" sz="1300" dirty="0" err="1">
-                          <a:effectLst/>
-                          <a:latin typeface="Times New Roman" panose="02020603050405020304" pitchFamily="18" charset="0"/>
-                          <a:cs typeface="Times New Roman" panose="02020603050405020304" pitchFamily="18" charset="0"/>
-                        </a:rPr>
-                        <a:t>kiểm</a:t>
-                      </a:r>
-                      <a:r>
-                        <a:rPr lang="en-US" sz="1300" dirty="0">
-                          <a:effectLst/>
-                          <a:latin typeface="Times New Roman" panose="02020603050405020304" pitchFamily="18" charset="0"/>
-                          <a:cs typeface="Times New Roman" panose="02020603050405020304" pitchFamily="18" charset="0"/>
-                        </a:rPr>
-                        <a:t> </a:t>
-                      </a:r>
-                      <a:r>
-                        <a:rPr lang="en-US" sz="1300" dirty="0" err="1">
-                          <a:effectLst/>
-                          <a:latin typeface="Times New Roman" panose="02020603050405020304" pitchFamily="18" charset="0"/>
-                          <a:cs typeface="Times New Roman" panose="02020603050405020304" pitchFamily="18" charset="0"/>
-                        </a:rPr>
-                        <a:t>thử</a:t>
-                      </a:r>
-                      <a:r>
-                        <a:rPr lang="en-US" sz="1300" dirty="0">
-                          <a:effectLst/>
-                          <a:latin typeface="Times New Roman" panose="02020603050405020304" pitchFamily="18" charset="0"/>
-                          <a:cs typeface="Times New Roman" panose="02020603050405020304" pitchFamily="18" charset="0"/>
-                        </a:rPr>
-                        <a:t> </a:t>
-                      </a:r>
-                      <a:r>
-                        <a:rPr lang="en-US" sz="1300" dirty="0" err="1">
-                          <a:effectLst/>
-                          <a:latin typeface="Times New Roman" panose="02020603050405020304" pitchFamily="18" charset="0"/>
-                          <a:cs typeface="Times New Roman" panose="02020603050405020304" pitchFamily="18" charset="0"/>
-                        </a:rPr>
-                        <a:t>tải</a:t>
-                      </a:r>
-                      <a:r>
-                        <a:rPr lang="en-US" sz="1300" dirty="0">
+                        <a:rPr lang="en-US" sz="1300" dirty="0" smtClean="0">
                           <a:effectLst/>
                           <a:latin typeface="Times New Roman" panose="02020603050405020304" pitchFamily="18" charset="0"/>
                           <a:cs typeface="Times New Roman" panose="02020603050405020304" pitchFamily="18" charset="0"/>
@@ -9511,12 +9543,28 @@
                         <a:t> </a:t>
                       </a:r>
                       <a:r>
+                        <a:rPr lang="en-US" sz="1300" dirty="0" err="1" smtClean="0">
+                          <a:effectLst/>
+                          <a:latin typeface="Times New Roman" panose="02020603050405020304" pitchFamily="18" charset="0"/>
+                          <a:cs typeface="Times New Roman" panose="02020603050405020304" pitchFamily="18" charset="0"/>
+                        </a:rPr>
+                        <a:t>lượng</a:t>
+                      </a:r>
+                      <a:r>
+                        <a:rPr lang="en-US" sz="1300" dirty="0" smtClean="0">
+                          <a:effectLst/>
+                          <a:latin typeface="Times New Roman" panose="02020603050405020304" pitchFamily="18" charset="0"/>
+                          <a:cs typeface="Times New Roman" panose="02020603050405020304" pitchFamily="18" charset="0"/>
+                        </a:rPr>
+                        <a:t> </a:t>
+                      </a:r>
+                      <a:r>
                         <a:rPr lang="en-US" sz="1300" dirty="0" err="1">
                           <a:effectLst/>
                           <a:latin typeface="Times New Roman" panose="02020603050405020304" pitchFamily="18" charset="0"/>
                           <a:cs typeface="Times New Roman" panose="02020603050405020304" pitchFamily="18" charset="0"/>
                         </a:rPr>
-                        <a:t>lượng</a:t>
+                        <a:t>tải</a:t>
                       </a:r>
                       <a:r>
                         <a:rPr lang="en-US" sz="1300" dirty="0">
@@ -9532,7 +9580,7 @@
                           <a:latin typeface="Times New Roman" panose="02020603050405020304" pitchFamily="18" charset="0"/>
                           <a:cs typeface="Times New Roman" panose="02020603050405020304" pitchFamily="18" charset="0"/>
                         </a:rPr>
-                        <a:t>tải</a:t>
+                        <a:t>hạn</a:t>
                       </a:r>
                       <a:r>
                         <a:rPr lang="en-US" sz="1300" dirty="0">
@@ -9548,7 +9596,7 @@
                           <a:latin typeface="Times New Roman" panose="02020603050405020304" pitchFamily="18" charset="0"/>
                           <a:cs typeface="Times New Roman" panose="02020603050405020304" pitchFamily="18" charset="0"/>
                         </a:rPr>
-                        <a:t>hạn</a:t>
+                        <a:t>chế</a:t>
                       </a:r>
                       <a:r>
                         <a:rPr lang="en-US" sz="1300" dirty="0">
@@ -9564,7 +9612,7 @@
                           <a:latin typeface="Times New Roman" panose="02020603050405020304" pitchFamily="18" charset="0"/>
                           <a:cs typeface="Times New Roman" panose="02020603050405020304" pitchFamily="18" charset="0"/>
                         </a:rPr>
-                        <a:t>chế</a:t>
+                        <a:t>cho</a:t>
                       </a:r>
                       <a:r>
                         <a:rPr lang="en-US" sz="1300" dirty="0">
@@ -9580,7 +9628,7 @@
                           <a:latin typeface="Times New Roman" panose="02020603050405020304" pitchFamily="18" charset="0"/>
                           <a:cs typeface="Times New Roman" panose="02020603050405020304" pitchFamily="18" charset="0"/>
                         </a:rPr>
-                        <a:t>cho</a:t>
+                        <a:t>kiểm</a:t>
                       </a:r>
                       <a:r>
                         <a:rPr lang="en-US" sz="1300" dirty="0">
@@ -9596,7 +9644,7 @@
                           <a:latin typeface="Times New Roman" panose="02020603050405020304" pitchFamily="18" charset="0"/>
                           <a:cs typeface="Times New Roman" panose="02020603050405020304" pitchFamily="18" charset="0"/>
                         </a:rPr>
-                        <a:t>kiểm</a:t>
+                        <a:t>thử</a:t>
                       </a:r>
                       <a:r>
                         <a:rPr lang="en-US" sz="1300" dirty="0">
@@ -9607,15 +9655,15 @@
                         <a:t> </a:t>
                       </a:r>
                       <a:r>
-                        <a:rPr lang="en-US" sz="1300" dirty="0" err="1">
-                          <a:effectLst/>
-                          <a:latin typeface="Times New Roman" panose="02020603050405020304" pitchFamily="18" charset="0"/>
-                          <a:cs typeface="Times New Roman" panose="02020603050405020304" pitchFamily="18" charset="0"/>
-                        </a:rPr>
-                        <a:t>thử</a:t>
-                      </a:r>
-                      <a:r>
-                        <a:rPr lang="en-US" sz="1300" dirty="0">
+                        <a:rPr lang="en-US" sz="1300" dirty="0" err="1" smtClean="0">
+                          <a:effectLst/>
+                          <a:latin typeface="Times New Roman" panose="02020603050405020304" pitchFamily="18" charset="0"/>
+                          <a:cs typeface="Times New Roman" panose="02020603050405020304" pitchFamily="18" charset="0"/>
+                        </a:rPr>
+                        <a:t>trọng</a:t>
+                      </a:r>
+                      <a:r>
+                        <a:rPr lang="en-US" sz="1300" baseline="0" dirty="0" smtClean="0">
                           <a:effectLst/>
                           <a:latin typeface="Times New Roman" panose="02020603050405020304" pitchFamily="18" charset="0"/>
                           <a:cs typeface="Times New Roman" panose="02020603050405020304" pitchFamily="18" charset="0"/>
@@ -9623,7 +9671,7 @@
                         <a:t> </a:t>
                       </a:r>
                       <a:r>
-                        <a:rPr lang="en-US" sz="1300" dirty="0" err="1">
+                        <a:rPr lang="en-US" sz="1300" dirty="0" err="1" smtClean="0">
                           <a:effectLst/>
                           <a:latin typeface="Times New Roman" panose="02020603050405020304" pitchFamily="18" charset="0"/>
                           <a:cs typeface="Times New Roman" panose="02020603050405020304" pitchFamily="18" charset="0"/>
@@ -10279,7 +10327,7 @@
           <p:nvPr>
             <p:extLst>
               <p:ext uri="{D42A27DB-BD31-4B8C-83A1-F6EECF244321}">
-                <p14:modId xmlns:p14="http://schemas.microsoft.com/office/powerpoint/2010/main" val="1633042940"/>
+                <p14:modId xmlns:p14="http://schemas.microsoft.com/office/powerpoint/2010/main" val="723007362"/>
               </p:ext>
             </p:extLst>
           </p:nvPr>
@@ -11442,7 +11490,7 @@
                         <a:t> </a:t>
                       </a:r>
                       <a:r>
-                        <a:rPr lang="en-US" sz="1300" dirty="0" err="1">
+                        <a:rPr lang="en-US" sz="1300" dirty="0" err="1" smtClean="0">
                           <a:effectLst/>
                           <a:latin typeface="Times New Roman" panose="02020603050405020304" pitchFamily="18" charset="0"/>
                           <a:cs typeface="Times New Roman" panose="02020603050405020304" pitchFamily="18" charset="0"/>
@@ -11450,7 +11498,7 @@
                         <a:t>để</a:t>
                       </a:r>
                       <a:r>
-                        <a:rPr lang="en-US" sz="1300" dirty="0">
+                        <a:rPr lang="en-US" sz="1300" dirty="0" smtClean="0">
                           <a:effectLst/>
                           <a:latin typeface="Times New Roman" panose="02020603050405020304" pitchFamily="18" charset="0"/>
                           <a:cs typeface="Times New Roman" panose="02020603050405020304" pitchFamily="18" charset="0"/>
@@ -11458,15 +11506,15 @@
                         <a:t> </a:t>
                       </a:r>
                       <a:r>
-                        <a:rPr lang="en-US" sz="1300" dirty="0" err="1">
-                          <a:effectLst/>
-                          <a:latin typeface="Times New Roman" panose="02020603050405020304" pitchFamily="18" charset="0"/>
-                          <a:cs typeface="Times New Roman" panose="02020603050405020304" pitchFamily="18" charset="0"/>
-                        </a:rPr>
-                        <a:t>tinh</a:t>
-                      </a:r>
-                      <a:r>
-                        <a:rPr lang="en-US" sz="1300" dirty="0">
+                        <a:rPr lang="en-US" sz="1300" dirty="0" err="1" smtClean="0">
+                          <a:effectLst/>
+                          <a:latin typeface="Times New Roman" panose="02020603050405020304" pitchFamily="18" charset="0"/>
+                          <a:cs typeface="Times New Roman" panose="02020603050405020304" pitchFamily="18" charset="0"/>
+                        </a:rPr>
+                        <a:t>chỉnh</a:t>
+                      </a:r>
+                      <a:r>
+                        <a:rPr lang="en-US" sz="1300" dirty="0" smtClean="0">
                           <a:effectLst/>
                           <a:latin typeface="Times New Roman" panose="02020603050405020304" pitchFamily="18" charset="0"/>
                           <a:cs typeface="Times New Roman" panose="02020603050405020304" pitchFamily="18" charset="0"/>
@@ -11474,15 +11522,15 @@
                         <a:t> </a:t>
                       </a:r>
                       <a:r>
-                        <a:rPr lang="en-US" sz="1300" dirty="0" err="1">
-                          <a:effectLst/>
-                          <a:latin typeface="Times New Roman" panose="02020603050405020304" pitchFamily="18" charset="0"/>
-                          <a:cs typeface="Times New Roman" panose="02020603050405020304" pitchFamily="18" charset="0"/>
-                        </a:rPr>
-                        <a:t>chỉnh</a:t>
-                      </a:r>
-                      <a:r>
-                        <a:rPr lang="en-US" sz="1300" dirty="0">
+                        <a:rPr lang="en-US" sz="1300" dirty="0" err="1" smtClean="0">
+                          <a:effectLst/>
+                          <a:latin typeface="Times New Roman" panose="02020603050405020304" pitchFamily="18" charset="0"/>
+                          <a:cs typeface="Times New Roman" panose="02020603050405020304" pitchFamily="18" charset="0"/>
+                        </a:rPr>
+                        <a:t>sửa</a:t>
+                      </a:r>
+                      <a:r>
+                        <a:rPr lang="en-US" sz="1300" dirty="0" smtClean="0">
                           <a:effectLst/>
                           <a:latin typeface="Times New Roman" panose="02020603050405020304" pitchFamily="18" charset="0"/>
                           <a:cs typeface="Times New Roman" panose="02020603050405020304" pitchFamily="18" charset="0"/>
@@ -13416,7 +13464,7 @@
         <p:spPr>
           <a:xfrm>
             <a:off x="1220930" y="1115310"/>
-            <a:ext cx="6407727" cy="2508379"/>
+            <a:ext cx="6407727" cy="2354491"/>
           </a:xfrm>
           <a:prstGeom prst="rect">
             <a:avLst/>
@@ -13496,24 +13544,47 @@
             </a:endParaRPr>
           </a:p>
           <a:p>
-            <a:pPr algn="just">
+            <a:pPr marL="285750" indent="-285750" algn="just">
               <a:lnSpc>
                 <a:spcPct val="150000"/>
               </a:lnSpc>
+              <a:buFont typeface="Arial" panose="020B0604020202020204" pitchFamily="34" charset="0"/>
+              <a:buChar char="•"/>
             </a:pPr>
             <a:r>
+              <a:rPr lang="en-US" dirty="0" err="1" smtClean="0">
+                <a:latin typeface="Times New Roman" panose="02020603050405020304" pitchFamily="18" charset="0"/>
+                <a:cs typeface="Times New Roman" panose="02020603050405020304" pitchFamily="18" charset="0"/>
+              </a:rPr>
+              <a:t>Kiểm</a:t>
+            </a:r>
+            <a:r>
+              <a:rPr lang="en-US" dirty="0" smtClean="0">
+                <a:latin typeface="Times New Roman" panose="02020603050405020304" pitchFamily="18" charset="0"/>
+                <a:cs typeface="Times New Roman" panose="02020603050405020304" pitchFamily="18" charset="0"/>
+              </a:rPr>
+              <a:t> </a:t>
+            </a:r>
+            <a:r>
+              <a:rPr lang="en-US" dirty="0" err="1">
+                <a:latin typeface="Times New Roman" panose="02020603050405020304" pitchFamily="18" charset="0"/>
+                <a:cs typeface="Times New Roman" panose="02020603050405020304" pitchFamily="18" charset="0"/>
+              </a:rPr>
+              <a:t>thử</a:t>
+            </a:r>
+            <a:r>
               <a:rPr lang="en-US" dirty="0">
                 <a:latin typeface="Times New Roman" panose="02020603050405020304" pitchFamily="18" charset="0"/>
                 <a:cs typeface="Times New Roman" panose="02020603050405020304" pitchFamily="18" charset="0"/>
               </a:rPr>
-              <a:t>       </a:t>
+              <a:t> </a:t>
             </a:r>
             <a:r>
               <a:rPr lang="en-US" dirty="0" err="1">
                 <a:latin typeface="Times New Roman" panose="02020603050405020304" pitchFamily="18" charset="0"/>
                 <a:cs typeface="Times New Roman" panose="02020603050405020304" pitchFamily="18" charset="0"/>
               </a:rPr>
-              <a:t>Kiểm</a:t>
+              <a:t>tự</a:t>
             </a:r>
             <a:r>
               <a:rPr lang="en-US" dirty="0">
@@ -13527,6 +13598,230 @@
                 <a:latin typeface="Times New Roman" panose="02020603050405020304" pitchFamily="18" charset="0"/>
                 <a:cs typeface="Times New Roman" panose="02020603050405020304" pitchFamily="18" charset="0"/>
               </a:rPr>
+              <a:t>động</a:t>
+            </a:r>
+            <a:r>
+              <a:rPr lang="en-US" dirty="0">
+                <a:latin typeface="Times New Roman" panose="02020603050405020304" pitchFamily="18" charset="0"/>
+                <a:cs typeface="Times New Roman" panose="02020603050405020304" pitchFamily="18" charset="0"/>
+              </a:rPr>
+              <a:t> </a:t>
+            </a:r>
+            <a:r>
+              <a:rPr lang="en-US" dirty="0" err="1">
+                <a:latin typeface="Times New Roman" panose="02020603050405020304" pitchFamily="18" charset="0"/>
+                <a:cs typeface="Times New Roman" panose="02020603050405020304" pitchFamily="18" charset="0"/>
+              </a:rPr>
+              <a:t>được</a:t>
+            </a:r>
+            <a:r>
+              <a:rPr lang="en-US" dirty="0">
+                <a:latin typeface="Times New Roman" panose="02020603050405020304" pitchFamily="18" charset="0"/>
+                <a:cs typeface="Times New Roman" panose="02020603050405020304" pitchFamily="18" charset="0"/>
+              </a:rPr>
+              <a:t> </a:t>
+            </a:r>
+            <a:r>
+              <a:rPr lang="en-US" dirty="0" err="1">
+                <a:latin typeface="Times New Roman" panose="02020603050405020304" pitchFamily="18" charset="0"/>
+                <a:cs typeface="Times New Roman" panose="02020603050405020304" pitchFamily="18" charset="0"/>
+              </a:rPr>
+              <a:t>một</a:t>
+            </a:r>
+            <a:r>
+              <a:rPr lang="en-US" dirty="0">
+                <a:latin typeface="Times New Roman" panose="02020603050405020304" pitchFamily="18" charset="0"/>
+                <a:cs typeface="Times New Roman" panose="02020603050405020304" pitchFamily="18" charset="0"/>
+              </a:rPr>
+              <a:t> </a:t>
+            </a:r>
+            <a:r>
+              <a:rPr lang="en-US" dirty="0" err="1">
+                <a:latin typeface="Times New Roman" panose="02020603050405020304" pitchFamily="18" charset="0"/>
+                <a:cs typeface="Times New Roman" panose="02020603050405020304" pitchFamily="18" charset="0"/>
+              </a:rPr>
+              <a:t>số</a:t>
+            </a:r>
+            <a:r>
+              <a:rPr lang="en-US" dirty="0">
+                <a:latin typeface="Times New Roman" panose="02020603050405020304" pitchFamily="18" charset="0"/>
+                <a:cs typeface="Times New Roman" panose="02020603050405020304" pitchFamily="18" charset="0"/>
+              </a:rPr>
+              <a:t> </a:t>
+            </a:r>
+            <a:r>
+              <a:rPr lang="en-US" dirty="0" err="1">
+                <a:latin typeface="Times New Roman" panose="02020603050405020304" pitchFamily="18" charset="0"/>
+                <a:cs typeface="Times New Roman" panose="02020603050405020304" pitchFamily="18" charset="0"/>
+              </a:rPr>
+              <a:t>chức</a:t>
+            </a:r>
+            <a:r>
+              <a:rPr lang="en-US" dirty="0">
+                <a:latin typeface="Times New Roman" panose="02020603050405020304" pitchFamily="18" charset="0"/>
+                <a:cs typeface="Times New Roman" panose="02020603050405020304" pitchFamily="18" charset="0"/>
+              </a:rPr>
+              <a:t> </a:t>
+            </a:r>
+            <a:r>
+              <a:rPr lang="en-US" dirty="0" err="1">
+                <a:latin typeface="Times New Roman" panose="02020603050405020304" pitchFamily="18" charset="0"/>
+                <a:cs typeface="Times New Roman" panose="02020603050405020304" pitchFamily="18" charset="0"/>
+              </a:rPr>
+              <a:t>năng</a:t>
+            </a:r>
+            <a:r>
+              <a:rPr lang="en-US" dirty="0">
+                <a:latin typeface="Times New Roman" panose="02020603050405020304" pitchFamily="18" charset="0"/>
+                <a:cs typeface="Times New Roman" panose="02020603050405020304" pitchFamily="18" charset="0"/>
+              </a:rPr>
+              <a:t> </a:t>
+            </a:r>
+            <a:r>
+              <a:rPr lang="en-US" dirty="0" err="1">
+                <a:latin typeface="Times New Roman" panose="02020603050405020304" pitchFamily="18" charset="0"/>
+                <a:cs typeface="Times New Roman" panose="02020603050405020304" pitchFamily="18" charset="0"/>
+              </a:rPr>
+              <a:t>cơ</a:t>
+            </a:r>
+            <a:r>
+              <a:rPr lang="en-US" dirty="0">
+                <a:latin typeface="Times New Roman" panose="02020603050405020304" pitchFamily="18" charset="0"/>
+                <a:cs typeface="Times New Roman" panose="02020603050405020304" pitchFamily="18" charset="0"/>
+              </a:rPr>
+              <a:t> </a:t>
+            </a:r>
+            <a:r>
+              <a:rPr lang="en-US" dirty="0" err="1">
+                <a:latin typeface="Times New Roman" panose="02020603050405020304" pitchFamily="18" charset="0"/>
+                <a:cs typeface="Times New Roman" panose="02020603050405020304" pitchFamily="18" charset="0"/>
+              </a:rPr>
+              <a:t>bản</a:t>
+            </a:r>
+            <a:r>
+              <a:rPr lang="en-US" dirty="0">
+                <a:latin typeface="Times New Roman" panose="02020603050405020304" pitchFamily="18" charset="0"/>
+                <a:cs typeface="Times New Roman" panose="02020603050405020304" pitchFamily="18" charset="0"/>
+              </a:rPr>
+              <a:t> </a:t>
+            </a:r>
+            <a:r>
+              <a:rPr lang="en-US" dirty="0" err="1">
+                <a:latin typeface="Times New Roman" panose="02020603050405020304" pitchFamily="18" charset="0"/>
+                <a:cs typeface="Times New Roman" panose="02020603050405020304" pitchFamily="18" charset="0"/>
+              </a:rPr>
+              <a:t>của</a:t>
+            </a:r>
+            <a:r>
+              <a:rPr lang="en-US" dirty="0">
+                <a:latin typeface="Times New Roman" panose="02020603050405020304" pitchFamily="18" charset="0"/>
+                <a:cs typeface="Times New Roman" panose="02020603050405020304" pitchFamily="18" charset="0"/>
+              </a:rPr>
+              <a:t> </a:t>
+            </a:r>
+            <a:r>
+              <a:rPr lang="en-US" dirty="0" err="1">
+                <a:latin typeface="Times New Roman" panose="02020603050405020304" pitchFamily="18" charset="0"/>
+                <a:cs typeface="Times New Roman" panose="02020603050405020304" pitchFamily="18" charset="0"/>
+              </a:rPr>
+              <a:t>trang</a:t>
+            </a:r>
+            <a:r>
+              <a:rPr lang="en-US" dirty="0">
+                <a:latin typeface="Times New Roman" panose="02020603050405020304" pitchFamily="18" charset="0"/>
+                <a:cs typeface="Times New Roman" panose="02020603050405020304" pitchFamily="18" charset="0"/>
+              </a:rPr>
+              <a:t> web, </a:t>
+            </a:r>
+            <a:r>
+              <a:rPr lang="en-US" dirty="0" err="1">
+                <a:latin typeface="Times New Roman" panose="02020603050405020304" pitchFamily="18" charset="0"/>
+                <a:cs typeface="Times New Roman" panose="02020603050405020304" pitchFamily="18" charset="0"/>
+              </a:rPr>
+              <a:t>sử</a:t>
+            </a:r>
+            <a:r>
+              <a:rPr lang="en-US" dirty="0">
+                <a:latin typeface="Times New Roman" panose="02020603050405020304" pitchFamily="18" charset="0"/>
+                <a:cs typeface="Times New Roman" panose="02020603050405020304" pitchFamily="18" charset="0"/>
+              </a:rPr>
+              <a:t> </a:t>
+            </a:r>
+            <a:r>
+              <a:rPr lang="en-US" dirty="0" err="1">
+                <a:latin typeface="Times New Roman" panose="02020603050405020304" pitchFamily="18" charset="0"/>
+                <a:cs typeface="Times New Roman" panose="02020603050405020304" pitchFamily="18" charset="0"/>
+              </a:rPr>
+              <a:t>dụng</a:t>
+            </a:r>
+            <a:r>
+              <a:rPr lang="en-US" dirty="0">
+                <a:latin typeface="Times New Roman" panose="02020603050405020304" pitchFamily="18" charset="0"/>
+                <a:cs typeface="Times New Roman" panose="02020603050405020304" pitchFamily="18" charset="0"/>
+              </a:rPr>
+              <a:t> </a:t>
+            </a:r>
+            <a:r>
+              <a:rPr lang="en-US" dirty="0" err="1">
+                <a:latin typeface="Times New Roman" panose="02020603050405020304" pitchFamily="18" charset="0"/>
+                <a:cs typeface="Times New Roman" panose="02020603050405020304" pitchFamily="18" charset="0"/>
+              </a:rPr>
+              <a:t>được</a:t>
+            </a:r>
+            <a:r>
+              <a:rPr lang="en-US" dirty="0">
+                <a:latin typeface="Times New Roman" panose="02020603050405020304" pitchFamily="18" charset="0"/>
+                <a:cs typeface="Times New Roman" panose="02020603050405020304" pitchFamily="18" charset="0"/>
+              </a:rPr>
+              <a:t> </a:t>
+            </a:r>
+            <a:r>
+              <a:rPr lang="en-US" dirty="0" err="1">
+                <a:latin typeface="Times New Roman" panose="02020603050405020304" pitchFamily="18" charset="0"/>
+                <a:cs typeface="Times New Roman" panose="02020603050405020304" pitchFamily="18" charset="0"/>
+              </a:rPr>
+              <a:t>công</a:t>
+            </a:r>
+            <a:r>
+              <a:rPr lang="en-US" dirty="0">
+                <a:latin typeface="Times New Roman" panose="02020603050405020304" pitchFamily="18" charset="0"/>
+                <a:cs typeface="Times New Roman" panose="02020603050405020304" pitchFamily="18" charset="0"/>
+              </a:rPr>
+              <a:t> </a:t>
+            </a:r>
+            <a:r>
+              <a:rPr lang="en-US" dirty="0" err="1">
+                <a:latin typeface="Times New Roman" panose="02020603050405020304" pitchFamily="18" charset="0"/>
+                <a:cs typeface="Times New Roman" panose="02020603050405020304" pitchFamily="18" charset="0"/>
+              </a:rPr>
+              <a:t>cụ</a:t>
+            </a:r>
+            <a:r>
+              <a:rPr lang="en-US" dirty="0">
+                <a:latin typeface="Times New Roman" panose="02020603050405020304" pitchFamily="18" charset="0"/>
+                <a:cs typeface="Times New Roman" panose="02020603050405020304" pitchFamily="18" charset="0"/>
+              </a:rPr>
+              <a:t> </a:t>
+            </a:r>
+            <a:r>
+              <a:rPr lang="en-US" dirty="0" err="1">
+                <a:latin typeface="Times New Roman" panose="02020603050405020304" pitchFamily="18" charset="0"/>
+                <a:cs typeface="Times New Roman" panose="02020603050405020304" pitchFamily="18" charset="0"/>
+              </a:rPr>
+              <a:t>kiểm</a:t>
+            </a:r>
+            <a:r>
+              <a:rPr lang="en-US" dirty="0">
+                <a:latin typeface="Times New Roman" panose="02020603050405020304" pitchFamily="18" charset="0"/>
+                <a:cs typeface="Times New Roman" panose="02020603050405020304" pitchFamily="18" charset="0"/>
+              </a:rPr>
+              <a:t> </a:t>
+            </a:r>
+            <a:r>
+              <a:rPr lang="en-US" dirty="0" err="1">
+                <a:latin typeface="Times New Roman" panose="02020603050405020304" pitchFamily="18" charset="0"/>
+                <a:cs typeface="Times New Roman" panose="02020603050405020304" pitchFamily="18" charset="0"/>
+              </a:rPr>
               <a:t>thử</a:t>
             </a:r>
             <a:r>
@@ -13569,7 +13864,7 @@
                 <a:latin typeface="Times New Roman" panose="02020603050405020304" pitchFamily="18" charset="0"/>
                 <a:cs typeface="Times New Roman" panose="02020603050405020304" pitchFamily="18" charset="0"/>
               </a:rPr>
-              <a:t>được</a:t>
+              <a:t>vào</a:t>
             </a:r>
             <a:r>
               <a:rPr lang="en-US" dirty="0">
@@ -13583,7 +13878,7 @@
                 <a:latin typeface="Times New Roman" panose="02020603050405020304" pitchFamily="18" charset="0"/>
                 <a:cs typeface="Times New Roman" panose="02020603050405020304" pitchFamily="18" charset="0"/>
               </a:rPr>
-              <a:t>một</a:t>
+              <a:t>kiểm</a:t>
             </a:r>
             <a:r>
               <a:rPr lang="en-US" dirty="0">
@@ -13593,259 +13888,7 @@
               <a:t> </a:t>
             </a:r>
             <a:r>
-              <a:rPr lang="en-US" dirty="0" err="1">
-                <a:latin typeface="Times New Roman" panose="02020603050405020304" pitchFamily="18" charset="0"/>
-                <a:cs typeface="Times New Roman" panose="02020603050405020304" pitchFamily="18" charset="0"/>
-              </a:rPr>
-              <a:t>số</a:t>
-            </a:r>
-            <a:r>
-              <a:rPr lang="en-US" dirty="0">
-                <a:latin typeface="Times New Roman" panose="02020603050405020304" pitchFamily="18" charset="0"/>
-                <a:cs typeface="Times New Roman" panose="02020603050405020304" pitchFamily="18" charset="0"/>
-              </a:rPr>
-              <a:t> </a:t>
-            </a:r>
-            <a:r>
-              <a:rPr lang="en-US" dirty="0" err="1">
-                <a:latin typeface="Times New Roman" panose="02020603050405020304" pitchFamily="18" charset="0"/>
-                <a:cs typeface="Times New Roman" panose="02020603050405020304" pitchFamily="18" charset="0"/>
-              </a:rPr>
-              <a:t>chức</a:t>
-            </a:r>
-            <a:r>
-              <a:rPr lang="en-US" dirty="0">
-                <a:latin typeface="Times New Roman" panose="02020603050405020304" pitchFamily="18" charset="0"/>
-                <a:cs typeface="Times New Roman" panose="02020603050405020304" pitchFamily="18" charset="0"/>
-              </a:rPr>
-              <a:t> </a:t>
-            </a:r>
-            <a:r>
-              <a:rPr lang="en-US" dirty="0" err="1">
-                <a:latin typeface="Times New Roman" panose="02020603050405020304" pitchFamily="18" charset="0"/>
-                <a:cs typeface="Times New Roman" panose="02020603050405020304" pitchFamily="18" charset="0"/>
-              </a:rPr>
-              <a:t>năng</a:t>
-            </a:r>
-            <a:r>
-              <a:rPr lang="en-US" dirty="0">
-                <a:latin typeface="Times New Roman" panose="02020603050405020304" pitchFamily="18" charset="0"/>
-                <a:cs typeface="Times New Roman" panose="02020603050405020304" pitchFamily="18" charset="0"/>
-              </a:rPr>
-              <a:t> </a:t>
-            </a:r>
-            <a:r>
-              <a:rPr lang="en-US" dirty="0" err="1">
-                <a:latin typeface="Times New Roman" panose="02020603050405020304" pitchFamily="18" charset="0"/>
-                <a:cs typeface="Times New Roman" panose="02020603050405020304" pitchFamily="18" charset="0"/>
-              </a:rPr>
-              <a:t>cơ</a:t>
-            </a:r>
-            <a:r>
-              <a:rPr lang="en-US" dirty="0">
-                <a:latin typeface="Times New Roman" panose="02020603050405020304" pitchFamily="18" charset="0"/>
-                <a:cs typeface="Times New Roman" panose="02020603050405020304" pitchFamily="18" charset="0"/>
-              </a:rPr>
-              <a:t> </a:t>
-            </a:r>
-            <a:r>
-              <a:rPr lang="en-US" dirty="0" err="1">
-                <a:latin typeface="Times New Roman" panose="02020603050405020304" pitchFamily="18" charset="0"/>
-                <a:cs typeface="Times New Roman" panose="02020603050405020304" pitchFamily="18" charset="0"/>
-              </a:rPr>
-              <a:t>bản</a:t>
-            </a:r>
-            <a:r>
-              <a:rPr lang="en-US" dirty="0">
-                <a:latin typeface="Times New Roman" panose="02020603050405020304" pitchFamily="18" charset="0"/>
-                <a:cs typeface="Times New Roman" panose="02020603050405020304" pitchFamily="18" charset="0"/>
-              </a:rPr>
-              <a:t> </a:t>
-            </a:r>
-            <a:r>
-              <a:rPr lang="en-US" dirty="0" err="1">
-                <a:latin typeface="Times New Roman" panose="02020603050405020304" pitchFamily="18" charset="0"/>
-                <a:cs typeface="Times New Roman" panose="02020603050405020304" pitchFamily="18" charset="0"/>
-              </a:rPr>
-              <a:t>của</a:t>
-            </a:r>
-            <a:r>
-              <a:rPr lang="en-US" dirty="0">
-                <a:latin typeface="Times New Roman" panose="02020603050405020304" pitchFamily="18" charset="0"/>
-                <a:cs typeface="Times New Roman" panose="02020603050405020304" pitchFamily="18" charset="0"/>
-              </a:rPr>
-              <a:t> </a:t>
-            </a:r>
-            <a:r>
-              <a:rPr lang="en-US" dirty="0" err="1">
-                <a:latin typeface="Times New Roman" panose="02020603050405020304" pitchFamily="18" charset="0"/>
-                <a:cs typeface="Times New Roman" panose="02020603050405020304" pitchFamily="18" charset="0"/>
-              </a:rPr>
-              <a:t>trang</a:t>
-            </a:r>
-            <a:r>
-              <a:rPr lang="en-US" dirty="0">
-                <a:latin typeface="Times New Roman" panose="02020603050405020304" pitchFamily="18" charset="0"/>
-                <a:cs typeface="Times New Roman" panose="02020603050405020304" pitchFamily="18" charset="0"/>
-              </a:rPr>
-              <a:t> web, </a:t>
-            </a:r>
-            <a:r>
-              <a:rPr lang="en-US" dirty="0" err="1">
-                <a:latin typeface="Times New Roman" panose="02020603050405020304" pitchFamily="18" charset="0"/>
-                <a:cs typeface="Times New Roman" panose="02020603050405020304" pitchFamily="18" charset="0"/>
-              </a:rPr>
-              <a:t>sử</a:t>
-            </a:r>
-            <a:r>
-              <a:rPr lang="en-US" dirty="0">
-                <a:latin typeface="Times New Roman" panose="02020603050405020304" pitchFamily="18" charset="0"/>
-                <a:cs typeface="Times New Roman" panose="02020603050405020304" pitchFamily="18" charset="0"/>
-              </a:rPr>
-              <a:t> </a:t>
-            </a:r>
-            <a:r>
-              <a:rPr lang="en-US" dirty="0" err="1">
-                <a:latin typeface="Times New Roman" panose="02020603050405020304" pitchFamily="18" charset="0"/>
-                <a:cs typeface="Times New Roman" panose="02020603050405020304" pitchFamily="18" charset="0"/>
-              </a:rPr>
-              <a:t>dụng</a:t>
-            </a:r>
-            <a:r>
-              <a:rPr lang="en-US" dirty="0">
-                <a:latin typeface="Times New Roman" panose="02020603050405020304" pitchFamily="18" charset="0"/>
-                <a:cs typeface="Times New Roman" panose="02020603050405020304" pitchFamily="18" charset="0"/>
-              </a:rPr>
-              <a:t> </a:t>
-            </a:r>
-            <a:r>
-              <a:rPr lang="en-US" dirty="0" err="1">
-                <a:latin typeface="Times New Roman" panose="02020603050405020304" pitchFamily="18" charset="0"/>
-                <a:cs typeface="Times New Roman" panose="02020603050405020304" pitchFamily="18" charset="0"/>
-              </a:rPr>
-              <a:t>được</a:t>
-            </a:r>
-            <a:r>
-              <a:rPr lang="en-US" dirty="0">
-                <a:latin typeface="Times New Roman" panose="02020603050405020304" pitchFamily="18" charset="0"/>
-                <a:cs typeface="Times New Roman" panose="02020603050405020304" pitchFamily="18" charset="0"/>
-              </a:rPr>
-              <a:t> </a:t>
-            </a:r>
-            <a:r>
-              <a:rPr lang="en-US" dirty="0" err="1">
-                <a:latin typeface="Times New Roman" panose="02020603050405020304" pitchFamily="18" charset="0"/>
-                <a:cs typeface="Times New Roman" panose="02020603050405020304" pitchFamily="18" charset="0"/>
-              </a:rPr>
-              <a:t>công</a:t>
-            </a:r>
-            <a:r>
-              <a:rPr lang="en-US" dirty="0">
-                <a:latin typeface="Times New Roman" panose="02020603050405020304" pitchFamily="18" charset="0"/>
-                <a:cs typeface="Times New Roman" panose="02020603050405020304" pitchFamily="18" charset="0"/>
-              </a:rPr>
-              <a:t> </a:t>
-            </a:r>
-            <a:r>
-              <a:rPr lang="en-US" dirty="0" err="1">
-                <a:latin typeface="Times New Roman" panose="02020603050405020304" pitchFamily="18" charset="0"/>
-                <a:cs typeface="Times New Roman" panose="02020603050405020304" pitchFamily="18" charset="0"/>
-              </a:rPr>
-              <a:t>cụ</a:t>
-            </a:r>
-            <a:r>
-              <a:rPr lang="en-US" dirty="0">
-                <a:latin typeface="Times New Roman" panose="02020603050405020304" pitchFamily="18" charset="0"/>
-                <a:cs typeface="Times New Roman" panose="02020603050405020304" pitchFamily="18" charset="0"/>
-              </a:rPr>
-              <a:t> </a:t>
-            </a:r>
-            <a:r>
-              <a:rPr lang="en-US" dirty="0" err="1">
-                <a:latin typeface="Times New Roman" panose="02020603050405020304" pitchFamily="18" charset="0"/>
-                <a:cs typeface="Times New Roman" panose="02020603050405020304" pitchFamily="18" charset="0"/>
-              </a:rPr>
-              <a:t>kiểm</a:t>
-            </a:r>
-            <a:r>
-              <a:rPr lang="en-US" dirty="0">
-                <a:latin typeface="Times New Roman" panose="02020603050405020304" pitchFamily="18" charset="0"/>
-                <a:cs typeface="Times New Roman" panose="02020603050405020304" pitchFamily="18" charset="0"/>
-              </a:rPr>
-              <a:t> </a:t>
-            </a:r>
-            <a:r>
-              <a:rPr lang="en-US" dirty="0" err="1">
-                <a:latin typeface="Times New Roman" panose="02020603050405020304" pitchFamily="18" charset="0"/>
-                <a:cs typeface="Times New Roman" panose="02020603050405020304" pitchFamily="18" charset="0"/>
-              </a:rPr>
-              <a:t>thử</a:t>
-            </a:r>
-            <a:r>
-              <a:rPr lang="en-US" dirty="0">
-                <a:latin typeface="Times New Roman" panose="02020603050405020304" pitchFamily="18" charset="0"/>
-                <a:cs typeface="Times New Roman" panose="02020603050405020304" pitchFamily="18" charset="0"/>
-              </a:rPr>
-              <a:t> </a:t>
-            </a:r>
-            <a:r>
-              <a:rPr lang="en-US" dirty="0" err="1">
-                <a:latin typeface="Times New Roman" panose="02020603050405020304" pitchFamily="18" charset="0"/>
-                <a:cs typeface="Times New Roman" panose="02020603050405020304" pitchFamily="18" charset="0"/>
-              </a:rPr>
-              <a:t>tự</a:t>
-            </a:r>
-            <a:r>
-              <a:rPr lang="en-US" dirty="0">
-                <a:latin typeface="Times New Roman" panose="02020603050405020304" pitchFamily="18" charset="0"/>
-                <a:cs typeface="Times New Roman" panose="02020603050405020304" pitchFamily="18" charset="0"/>
-              </a:rPr>
-              <a:t> </a:t>
-            </a:r>
-            <a:r>
-              <a:rPr lang="en-US" dirty="0" err="1">
-                <a:latin typeface="Times New Roman" panose="02020603050405020304" pitchFamily="18" charset="0"/>
-                <a:cs typeface="Times New Roman" panose="02020603050405020304" pitchFamily="18" charset="0"/>
-              </a:rPr>
-              <a:t>động</a:t>
-            </a:r>
-            <a:r>
-              <a:rPr lang="en-US" dirty="0">
-                <a:latin typeface="Times New Roman" panose="02020603050405020304" pitchFamily="18" charset="0"/>
-                <a:cs typeface="Times New Roman" panose="02020603050405020304" pitchFamily="18" charset="0"/>
-              </a:rPr>
-              <a:t> </a:t>
-            </a:r>
-            <a:r>
-              <a:rPr lang="en-US" dirty="0" err="1">
-                <a:latin typeface="Times New Roman" panose="02020603050405020304" pitchFamily="18" charset="0"/>
-                <a:cs typeface="Times New Roman" panose="02020603050405020304" pitchFamily="18" charset="0"/>
-              </a:rPr>
-              <a:t>vào</a:t>
-            </a:r>
-            <a:r>
-              <a:rPr lang="en-US" dirty="0">
-                <a:latin typeface="Times New Roman" panose="02020603050405020304" pitchFamily="18" charset="0"/>
-                <a:cs typeface="Times New Roman" panose="02020603050405020304" pitchFamily="18" charset="0"/>
-              </a:rPr>
-              <a:t> </a:t>
-            </a:r>
-            <a:r>
-              <a:rPr lang="en-US" dirty="0" err="1">
-                <a:latin typeface="Times New Roman" panose="02020603050405020304" pitchFamily="18" charset="0"/>
-                <a:cs typeface="Times New Roman" panose="02020603050405020304" pitchFamily="18" charset="0"/>
-              </a:rPr>
-              <a:t>kiểm</a:t>
-            </a:r>
-            <a:r>
-              <a:rPr lang="en-US" dirty="0">
-                <a:latin typeface="Times New Roman" panose="02020603050405020304" pitchFamily="18" charset="0"/>
-                <a:cs typeface="Times New Roman" panose="02020603050405020304" pitchFamily="18" charset="0"/>
-              </a:rPr>
-              <a:t> </a:t>
-            </a:r>
-            <a:r>
-              <a:rPr lang="en-US" dirty="0" err="1">
+              <a:rPr lang="en-US" dirty="0" err="1" smtClean="0">
                 <a:latin typeface="Times New Roman" panose="02020603050405020304" pitchFamily="18" charset="0"/>
                 <a:cs typeface="Times New Roman" panose="02020603050405020304" pitchFamily="18" charset="0"/>
               </a:rPr>
@@ -13853,26 +13896,40 @@
             </a:r>
             <a:endParaRPr lang="en-US" b="1" dirty="0">
               <a:latin typeface="Times New Roman" panose="02020603050405020304" pitchFamily="18" charset="0"/>
-              <a:ea typeface="Times New Roman" panose="02020603050405020304" pitchFamily="18" charset="0"/>
               <a:cs typeface="Times New Roman" panose="02020603050405020304" pitchFamily="18" charset="0"/>
             </a:endParaRPr>
           </a:p>
           <a:p>
-            <a:pPr indent="360045" algn="just">
+            <a:pPr marL="285750" indent="-285750" algn="just">
               <a:lnSpc>
                 <a:spcPct val="150000"/>
               </a:lnSpc>
-              <a:spcBef>
-                <a:spcPts val="600"/>
-              </a:spcBef>
+              <a:buFont typeface="Arial" panose="020B0604020202020204" pitchFamily="34" charset="0"/>
+              <a:buChar char="•"/>
             </a:pPr>
             <a:r>
+              <a:rPr lang="en-US" dirty="0" err="1" smtClean="0">
+                <a:latin typeface="Times New Roman" panose="02020603050405020304" pitchFamily="18" charset="0"/>
+                <a:ea typeface="Calibri" panose="020F0502020204030204" pitchFamily="34" charset="0"/>
+                <a:cs typeface="Times New Roman" panose="02020603050405020304" pitchFamily="18" charset="0"/>
+              </a:rPr>
+              <a:t>Vận</a:t>
+            </a:r>
+            <a:r>
+              <a:rPr lang="en-US" dirty="0" smtClean="0">
+                <a:latin typeface="Times New Roman" panose="02020603050405020304" pitchFamily="18" charset="0"/>
+                <a:ea typeface="Calibri" panose="020F0502020204030204" pitchFamily="34" charset="0"/>
+                <a:cs typeface="Times New Roman" panose="02020603050405020304" pitchFamily="18" charset="0"/>
+              </a:rPr>
+              <a:t> </a:t>
+            </a:r>
+            <a:r>
               <a:rPr lang="en-US" dirty="0" err="1">
                 <a:latin typeface="Times New Roman" panose="02020603050405020304" pitchFamily="18" charset="0"/>
                 <a:ea typeface="Calibri" panose="020F0502020204030204" pitchFamily="34" charset="0"/>
                 <a:cs typeface="Times New Roman" panose="02020603050405020304" pitchFamily="18" charset="0"/>
               </a:rPr>
-              <a:t>Vận</a:t>
+              <a:t>dụng</a:t>
             </a:r>
             <a:r>
               <a:rPr lang="en-US" dirty="0">
@@ -13888,7 +13945,7 @@
                 <a:ea typeface="Calibri" panose="020F0502020204030204" pitchFamily="34" charset="0"/>
                 <a:cs typeface="Times New Roman" panose="02020603050405020304" pitchFamily="18" charset="0"/>
               </a:rPr>
-              <a:t>dụng</a:t>
+              <a:t>các</a:t>
             </a:r>
             <a:r>
               <a:rPr lang="en-US" dirty="0">
@@ -13904,6 +13961,230 @@
                 <a:ea typeface="Calibri" panose="020F0502020204030204" pitchFamily="34" charset="0"/>
                 <a:cs typeface="Times New Roman" panose="02020603050405020304" pitchFamily="18" charset="0"/>
               </a:rPr>
+              <a:t>kiến</a:t>
+            </a:r>
+            <a:r>
+              <a:rPr lang="en-US" dirty="0">
+                <a:latin typeface="Times New Roman" panose="02020603050405020304" pitchFamily="18" charset="0"/>
+                <a:ea typeface="Calibri" panose="020F0502020204030204" pitchFamily="34" charset="0"/>
+                <a:cs typeface="Times New Roman" panose="02020603050405020304" pitchFamily="18" charset="0"/>
+              </a:rPr>
+              <a:t> </a:t>
+            </a:r>
+            <a:r>
+              <a:rPr lang="en-US" dirty="0" err="1">
+                <a:latin typeface="Times New Roman" panose="02020603050405020304" pitchFamily="18" charset="0"/>
+                <a:ea typeface="Calibri" panose="020F0502020204030204" pitchFamily="34" charset="0"/>
+                <a:cs typeface="Times New Roman" panose="02020603050405020304" pitchFamily="18" charset="0"/>
+              </a:rPr>
+              <a:t>thức</a:t>
+            </a:r>
+            <a:r>
+              <a:rPr lang="en-US" dirty="0">
+                <a:latin typeface="Times New Roman" panose="02020603050405020304" pitchFamily="18" charset="0"/>
+                <a:ea typeface="Calibri" panose="020F0502020204030204" pitchFamily="34" charset="0"/>
+                <a:cs typeface="Times New Roman" panose="02020603050405020304" pitchFamily="18" charset="0"/>
+              </a:rPr>
+              <a:t> </a:t>
+            </a:r>
+            <a:r>
+              <a:rPr lang="en-US" dirty="0" err="1">
+                <a:latin typeface="Times New Roman" panose="02020603050405020304" pitchFamily="18" charset="0"/>
+                <a:ea typeface="Calibri" panose="020F0502020204030204" pitchFamily="34" charset="0"/>
+                <a:cs typeface="Times New Roman" panose="02020603050405020304" pitchFamily="18" charset="0"/>
+              </a:rPr>
+              <a:t>đã</a:t>
+            </a:r>
+            <a:r>
+              <a:rPr lang="en-US" dirty="0">
+                <a:latin typeface="Times New Roman" panose="02020603050405020304" pitchFamily="18" charset="0"/>
+                <a:ea typeface="Calibri" panose="020F0502020204030204" pitchFamily="34" charset="0"/>
+                <a:cs typeface="Times New Roman" panose="02020603050405020304" pitchFamily="18" charset="0"/>
+              </a:rPr>
+              <a:t> </a:t>
+            </a:r>
+            <a:r>
+              <a:rPr lang="en-US" dirty="0" err="1">
+                <a:latin typeface="Times New Roman" panose="02020603050405020304" pitchFamily="18" charset="0"/>
+                <a:ea typeface="Calibri" panose="020F0502020204030204" pitchFamily="34" charset="0"/>
+                <a:cs typeface="Times New Roman" panose="02020603050405020304" pitchFamily="18" charset="0"/>
+              </a:rPr>
+              <a:t>học</a:t>
+            </a:r>
+            <a:r>
+              <a:rPr lang="en-US" dirty="0">
+                <a:latin typeface="Times New Roman" panose="02020603050405020304" pitchFamily="18" charset="0"/>
+                <a:ea typeface="Calibri" panose="020F0502020204030204" pitchFamily="34" charset="0"/>
+                <a:cs typeface="Times New Roman" panose="02020603050405020304" pitchFamily="18" charset="0"/>
+              </a:rPr>
+              <a:t> </a:t>
+            </a:r>
+            <a:r>
+              <a:rPr lang="en-US" dirty="0" err="1">
+                <a:latin typeface="Times New Roman" panose="02020603050405020304" pitchFamily="18" charset="0"/>
+                <a:ea typeface="Calibri" panose="020F0502020204030204" pitchFamily="34" charset="0"/>
+                <a:cs typeface="Times New Roman" panose="02020603050405020304" pitchFamily="18" charset="0"/>
+              </a:rPr>
+              <a:t>để</a:t>
+            </a:r>
+            <a:r>
+              <a:rPr lang="en-US" dirty="0">
+                <a:latin typeface="Times New Roman" panose="02020603050405020304" pitchFamily="18" charset="0"/>
+                <a:ea typeface="Calibri" panose="020F0502020204030204" pitchFamily="34" charset="0"/>
+                <a:cs typeface="Times New Roman" panose="02020603050405020304" pitchFamily="18" charset="0"/>
+              </a:rPr>
+              <a:t> </a:t>
+            </a:r>
+            <a:r>
+              <a:rPr lang="en-US" dirty="0" err="1">
+                <a:latin typeface="Times New Roman" panose="02020603050405020304" pitchFamily="18" charset="0"/>
+                <a:ea typeface="Calibri" panose="020F0502020204030204" pitchFamily="34" charset="0"/>
+                <a:cs typeface="Times New Roman" panose="02020603050405020304" pitchFamily="18" charset="0"/>
+              </a:rPr>
+              <a:t>thực</a:t>
+            </a:r>
+            <a:r>
+              <a:rPr lang="en-US" dirty="0">
+                <a:latin typeface="Times New Roman" panose="02020603050405020304" pitchFamily="18" charset="0"/>
+                <a:ea typeface="Calibri" panose="020F0502020204030204" pitchFamily="34" charset="0"/>
+                <a:cs typeface="Times New Roman" panose="02020603050405020304" pitchFamily="18" charset="0"/>
+              </a:rPr>
+              <a:t> </a:t>
+            </a:r>
+            <a:r>
+              <a:rPr lang="en-US" dirty="0" err="1">
+                <a:latin typeface="Times New Roman" panose="02020603050405020304" pitchFamily="18" charset="0"/>
+                <a:ea typeface="Calibri" panose="020F0502020204030204" pitchFamily="34" charset="0"/>
+                <a:cs typeface="Times New Roman" panose="02020603050405020304" pitchFamily="18" charset="0"/>
+              </a:rPr>
+              <a:t>thi</a:t>
+            </a:r>
+            <a:r>
+              <a:rPr lang="en-US" dirty="0">
+                <a:latin typeface="Times New Roman" panose="02020603050405020304" pitchFamily="18" charset="0"/>
+                <a:ea typeface="Calibri" panose="020F0502020204030204" pitchFamily="34" charset="0"/>
+                <a:cs typeface="Times New Roman" panose="02020603050405020304" pitchFamily="18" charset="0"/>
+              </a:rPr>
+              <a:t> </a:t>
+            </a:r>
+            <a:r>
+              <a:rPr lang="en-US" dirty="0" err="1">
+                <a:latin typeface="Times New Roman" panose="02020603050405020304" pitchFamily="18" charset="0"/>
+                <a:ea typeface="Calibri" panose="020F0502020204030204" pitchFamily="34" charset="0"/>
+                <a:cs typeface="Times New Roman" panose="02020603050405020304" pitchFamily="18" charset="0"/>
+              </a:rPr>
+              <a:t>kiểm</a:t>
+            </a:r>
+            <a:r>
+              <a:rPr lang="en-US" dirty="0">
+                <a:latin typeface="Times New Roman" panose="02020603050405020304" pitchFamily="18" charset="0"/>
+                <a:ea typeface="Calibri" panose="020F0502020204030204" pitchFamily="34" charset="0"/>
+                <a:cs typeface="Times New Roman" panose="02020603050405020304" pitchFamily="18" charset="0"/>
+              </a:rPr>
+              <a:t> </a:t>
+            </a:r>
+            <a:r>
+              <a:rPr lang="en-US" dirty="0" err="1">
+                <a:latin typeface="Times New Roman" panose="02020603050405020304" pitchFamily="18" charset="0"/>
+                <a:ea typeface="Calibri" panose="020F0502020204030204" pitchFamily="34" charset="0"/>
+                <a:cs typeface="Times New Roman" panose="02020603050405020304" pitchFamily="18" charset="0"/>
+              </a:rPr>
+              <a:t>thử</a:t>
+            </a:r>
+            <a:r>
+              <a:rPr lang="en-US" dirty="0">
+                <a:latin typeface="Times New Roman" panose="02020603050405020304" pitchFamily="18" charset="0"/>
+                <a:ea typeface="Calibri" panose="020F0502020204030204" pitchFamily="34" charset="0"/>
+                <a:cs typeface="Times New Roman" panose="02020603050405020304" pitchFamily="18" charset="0"/>
+              </a:rPr>
+              <a:t> 1 </a:t>
+            </a:r>
+            <a:r>
+              <a:rPr lang="en-US" dirty="0" err="1">
+                <a:latin typeface="Times New Roman" panose="02020603050405020304" pitchFamily="18" charset="0"/>
+                <a:ea typeface="Calibri" panose="020F0502020204030204" pitchFamily="34" charset="0"/>
+                <a:cs typeface="Times New Roman" panose="02020603050405020304" pitchFamily="18" charset="0"/>
+              </a:rPr>
+              <a:t>trang</a:t>
+            </a:r>
+            <a:r>
+              <a:rPr lang="en-US" dirty="0">
+                <a:latin typeface="Times New Roman" panose="02020603050405020304" pitchFamily="18" charset="0"/>
+                <a:ea typeface="Calibri" panose="020F0502020204030204" pitchFamily="34" charset="0"/>
+                <a:cs typeface="Times New Roman" panose="02020603050405020304" pitchFamily="18" charset="0"/>
+              </a:rPr>
+              <a:t> web </a:t>
+            </a:r>
+            <a:r>
+              <a:rPr lang="en-US" dirty="0" err="1">
+                <a:latin typeface="Times New Roman" panose="02020603050405020304" pitchFamily="18" charset="0"/>
+                <a:ea typeface="Calibri" panose="020F0502020204030204" pitchFamily="34" charset="0"/>
+                <a:cs typeface="Times New Roman" panose="02020603050405020304" pitchFamily="18" charset="0"/>
+              </a:rPr>
+              <a:t>bao</a:t>
+            </a:r>
+            <a:r>
+              <a:rPr lang="en-US" dirty="0">
+                <a:latin typeface="Times New Roman" panose="02020603050405020304" pitchFamily="18" charset="0"/>
+                <a:ea typeface="Calibri" panose="020F0502020204030204" pitchFamily="34" charset="0"/>
+                <a:cs typeface="Times New Roman" panose="02020603050405020304" pitchFamily="18" charset="0"/>
+              </a:rPr>
+              <a:t> </a:t>
+            </a:r>
+            <a:r>
+              <a:rPr lang="en-US" dirty="0" err="1">
+                <a:latin typeface="Times New Roman" panose="02020603050405020304" pitchFamily="18" charset="0"/>
+                <a:ea typeface="Calibri" panose="020F0502020204030204" pitchFamily="34" charset="0"/>
+                <a:cs typeface="Times New Roman" panose="02020603050405020304" pitchFamily="18" charset="0"/>
+              </a:rPr>
+              <a:t>gồm</a:t>
+            </a:r>
+            <a:r>
+              <a:rPr lang="en-US" dirty="0">
+                <a:latin typeface="Times New Roman" panose="02020603050405020304" pitchFamily="18" charset="0"/>
+                <a:ea typeface="Calibri" panose="020F0502020204030204" pitchFamily="34" charset="0"/>
+                <a:cs typeface="Times New Roman" panose="02020603050405020304" pitchFamily="18" charset="0"/>
+              </a:rPr>
+              <a:t> </a:t>
+            </a:r>
+            <a:r>
+              <a:rPr lang="en-US" dirty="0" err="1">
+                <a:latin typeface="Times New Roman" panose="02020603050405020304" pitchFamily="18" charset="0"/>
+                <a:ea typeface="Calibri" panose="020F0502020204030204" pitchFamily="34" charset="0"/>
+                <a:cs typeface="Times New Roman" panose="02020603050405020304" pitchFamily="18" charset="0"/>
+              </a:rPr>
+              <a:t>tất</a:t>
+            </a:r>
+            <a:r>
+              <a:rPr lang="en-US" dirty="0">
+                <a:latin typeface="Times New Roman" panose="02020603050405020304" pitchFamily="18" charset="0"/>
+                <a:ea typeface="Calibri" panose="020F0502020204030204" pitchFamily="34" charset="0"/>
+                <a:cs typeface="Times New Roman" panose="02020603050405020304" pitchFamily="18" charset="0"/>
+              </a:rPr>
+              <a:t> </a:t>
+            </a:r>
+            <a:r>
+              <a:rPr lang="en-US" dirty="0" err="1">
+                <a:latin typeface="Times New Roman" panose="02020603050405020304" pitchFamily="18" charset="0"/>
+                <a:ea typeface="Calibri" panose="020F0502020204030204" pitchFamily="34" charset="0"/>
+                <a:cs typeface="Times New Roman" panose="02020603050405020304" pitchFamily="18" charset="0"/>
+              </a:rPr>
+              <a:t>cả</a:t>
+            </a:r>
+            <a:r>
+              <a:rPr lang="en-US" dirty="0">
+                <a:latin typeface="Times New Roman" panose="02020603050405020304" pitchFamily="18" charset="0"/>
+                <a:ea typeface="Calibri" panose="020F0502020204030204" pitchFamily="34" charset="0"/>
+                <a:cs typeface="Times New Roman" panose="02020603050405020304" pitchFamily="18" charset="0"/>
+              </a:rPr>
+              <a:t> </a:t>
+            </a:r>
+            <a:r>
+              <a:rPr lang="en-US" dirty="0" err="1">
+                <a:latin typeface="Times New Roman" panose="02020603050405020304" pitchFamily="18" charset="0"/>
+                <a:ea typeface="Calibri" panose="020F0502020204030204" pitchFamily="34" charset="0"/>
+                <a:cs typeface="Times New Roman" panose="02020603050405020304" pitchFamily="18" charset="0"/>
+              </a:rPr>
               <a:t>các</a:t>
             </a:r>
             <a:r>
@@ -13920,7 +14201,7 @@
                 <a:ea typeface="Calibri" panose="020F0502020204030204" pitchFamily="34" charset="0"/>
                 <a:cs typeface="Times New Roman" panose="02020603050405020304" pitchFamily="18" charset="0"/>
               </a:rPr>
-              <a:t>kiến</a:t>
+              <a:t>giai</a:t>
             </a:r>
             <a:r>
               <a:rPr lang="en-US" dirty="0">
@@ -13931,273 +14212,32 @@
               <a:t> </a:t>
             </a:r>
             <a:r>
-              <a:rPr lang="en-US" dirty="0" err="1">
+              <a:rPr lang="en-US" dirty="0" err="1" smtClean="0">
                 <a:latin typeface="Times New Roman" panose="02020603050405020304" pitchFamily="18" charset="0"/>
                 <a:ea typeface="Calibri" panose="020F0502020204030204" pitchFamily="34" charset="0"/>
                 <a:cs typeface="Times New Roman" panose="02020603050405020304" pitchFamily="18" charset="0"/>
               </a:rPr>
-              <a:t>thức</a:t>
-            </a:r>
-            <a:r>
-              <a:rPr lang="en-US" dirty="0">
+              <a:t>đoạn</a:t>
+            </a:r>
+            <a:r>
+              <a:rPr lang="en-US" dirty="0" smtClean="0">
                 <a:latin typeface="Times New Roman" panose="02020603050405020304" pitchFamily="18" charset="0"/>
                 <a:ea typeface="Calibri" panose="020F0502020204030204" pitchFamily="34" charset="0"/>
                 <a:cs typeface="Times New Roman" panose="02020603050405020304" pitchFamily="18" charset="0"/>
               </a:rPr>
-              <a:t> </a:t>
-            </a:r>
-            <a:r>
-              <a:rPr lang="en-US" dirty="0" err="1">
-                <a:latin typeface="Times New Roman" panose="02020603050405020304" pitchFamily="18" charset="0"/>
-                <a:ea typeface="Calibri" panose="020F0502020204030204" pitchFamily="34" charset="0"/>
-                <a:cs typeface="Times New Roman" panose="02020603050405020304" pitchFamily="18" charset="0"/>
-              </a:rPr>
-              <a:t>đã</a:t>
-            </a:r>
-            <a:r>
-              <a:rPr lang="en-US" dirty="0">
-                <a:latin typeface="Times New Roman" panose="02020603050405020304" pitchFamily="18" charset="0"/>
-                <a:ea typeface="Calibri" panose="020F0502020204030204" pitchFamily="34" charset="0"/>
-                <a:cs typeface="Times New Roman" panose="02020603050405020304" pitchFamily="18" charset="0"/>
-              </a:rPr>
-              <a:t> </a:t>
-            </a:r>
-            <a:r>
-              <a:rPr lang="en-US" dirty="0" err="1">
-                <a:latin typeface="Times New Roman" panose="02020603050405020304" pitchFamily="18" charset="0"/>
-                <a:ea typeface="Calibri" panose="020F0502020204030204" pitchFamily="34" charset="0"/>
-                <a:cs typeface="Times New Roman" panose="02020603050405020304" pitchFamily="18" charset="0"/>
-              </a:rPr>
-              <a:t>học</a:t>
-            </a:r>
-            <a:r>
-              <a:rPr lang="en-US" dirty="0">
-                <a:latin typeface="Times New Roman" panose="02020603050405020304" pitchFamily="18" charset="0"/>
-                <a:ea typeface="Calibri" panose="020F0502020204030204" pitchFamily="34" charset="0"/>
-                <a:cs typeface="Times New Roman" panose="02020603050405020304" pitchFamily="18" charset="0"/>
-              </a:rPr>
-              <a:t> </a:t>
-            </a:r>
-            <a:r>
-              <a:rPr lang="en-US" dirty="0" err="1">
-                <a:latin typeface="Times New Roman" panose="02020603050405020304" pitchFamily="18" charset="0"/>
-                <a:ea typeface="Calibri" panose="020F0502020204030204" pitchFamily="34" charset="0"/>
-                <a:cs typeface="Times New Roman" panose="02020603050405020304" pitchFamily="18" charset="0"/>
-              </a:rPr>
-              <a:t>để</a:t>
-            </a:r>
-            <a:r>
-              <a:rPr lang="en-US" dirty="0">
-                <a:latin typeface="Times New Roman" panose="02020603050405020304" pitchFamily="18" charset="0"/>
-                <a:ea typeface="Calibri" panose="020F0502020204030204" pitchFamily="34" charset="0"/>
-                <a:cs typeface="Times New Roman" panose="02020603050405020304" pitchFamily="18" charset="0"/>
-              </a:rPr>
-              <a:t> </a:t>
-            </a:r>
-            <a:r>
-              <a:rPr lang="en-US" dirty="0" err="1">
-                <a:latin typeface="Times New Roman" panose="02020603050405020304" pitchFamily="18" charset="0"/>
-                <a:ea typeface="Calibri" panose="020F0502020204030204" pitchFamily="34" charset="0"/>
-                <a:cs typeface="Times New Roman" panose="02020603050405020304" pitchFamily="18" charset="0"/>
-              </a:rPr>
-              <a:t>thực</a:t>
-            </a:r>
-            <a:r>
-              <a:rPr lang="en-US" dirty="0">
-                <a:latin typeface="Times New Roman" panose="02020603050405020304" pitchFamily="18" charset="0"/>
-                <a:ea typeface="Calibri" panose="020F0502020204030204" pitchFamily="34" charset="0"/>
-                <a:cs typeface="Times New Roman" panose="02020603050405020304" pitchFamily="18" charset="0"/>
-              </a:rPr>
-              <a:t> </a:t>
-            </a:r>
-            <a:r>
-              <a:rPr lang="en-US" dirty="0" err="1">
-                <a:latin typeface="Times New Roman" panose="02020603050405020304" pitchFamily="18" charset="0"/>
-                <a:ea typeface="Calibri" panose="020F0502020204030204" pitchFamily="34" charset="0"/>
-                <a:cs typeface="Times New Roman" panose="02020603050405020304" pitchFamily="18" charset="0"/>
-              </a:rPr>
-              <a:t>thi</a:t>
-            </a:r>
-            <a:r>
-              <a:rPr lang="en-US" dirty="0">
-                <a:latin typeface="Times New Roman" panose="02020603050405020304" pitchFamily="18" charset="0"/>
-                <a:ea typeface="Calibri" panose="020F0502020204030204" pitchFamily="34" charset="0"/>
-                <a:cs typeface="Times New Roman" panose="02020603050405020304" pitchFamily="18" charset="0"/>
-              </a:rPr>
-              <a:t> </a:t>
-            </a:r>
-            <a:r>
-              <a:rPr lang="en-US" dirty="0" err="1">
-                <a:latin typeface="Times New Roman" panose="02020603050405020304" pitchFamily="18" charset="0"/>
-                <a:ea typeface="Calibri" panose="020F0502020204030204" pitchFamily="34" charset="0"/>
-                <a:cs typeface="Times New Roman" panose="02020603050405020304" pitchFamily="18" charset="0"/>
-              </a:rPr>
-              <a:t>kiểm</a:t>
-            </a:r>
-            <a:r>
-              <a:rPr lang="en-US" dirty="0">
-                <a:latin typeface="Times New Roman" panose="02020603050405020304" pitchFamily="18" charset="0"/>
-                <a:ea typeface="Calibri" panose="020F0502020204030204" pitchFamily="34" charset="0"/>
-                <a:cs typeface="Times New Roman" panose="02020603050405020304" pitchFamily="18" charset="0"/>
-              </a:rPr>
-              <a:t> </a:t>
-            </a:r>
-            <a:r>
-              <a:rPr lang="en-US" dirty="0" err="1">
-                <a:latin typeface="Times New Roman" panose="02020603050405020304" pitchFamily="18" charset="0"/>
-                <a:ea typeface="Calibri" panose="020F0502020204030204" pitchFamily="34" charset="0"/>
-                <a:cs typeface="Times New Roman" panose="02020603050405020304" pitchFamily="18" charset="0"/>
-              </a:rPr>
-              <a:t>thử</a:t>
-            </a:r>
-            <a:r>
-              <a:rPr lang="en-US" dirty="0">
-                <a:latin typeface="Times New Roman" panose="02020603050405020304" pitchFamily="18" charset="0"/>
-                <a:ea typeface="Calibri" panose="020F0502020204030204" pitchFamily="34" charset="0"/>
-                <a:cs typeface="Times New Roman" panose="02020603050405020304" pitchFamily="18" charset="0"/>
-              </a:rPr>
-              <a:t> 1 </a:t>
-            </a:r>
-            <a:r>
-              <a:rPr lang="en-US" dirty="0" err="1">
-                <a:latin typeface="Times New Roman" panose="02020603050405020304" pitchFamily="18" charset="0"/>
-                <a:ea typeface="Calibri" panose="020F0502020204030204" pitchFamily="34" charset="0"/>
-                <a:cs typeface="Times New Roman" panose="02020603050405020304" pitchFamily="18" charset="0"/>
-              </a:rPr>
-              <a:t>trang</a:t>
-            </a:r>
-            <a:r>
-              <a:rPr lang="en-US" dirty="0">
-                <a:latin typeface="Times New Roman" panose="02020603050405020304" pitchFamily="18" charset="0"/>
-                <a:ea typeface="Calibri" panose="020F0502020204030204" pitchFamily="34" charset="0"/>
-                <a:cs typeface="Times New Roman" panose="02020603050405020304" pitchFamily="18" charset="0"/>
-              </a:rPr>
-              <a:t> web </a:t>
-            </a:r>
-            <a:r>
-              <a:rPr lang="en-US" dirty="0" err="1">
-                <a:latin typeface="Times New Roman" panose="02020603050405020304" pitchFamily="18" charset="0"/>
-                <a:ea typeface="Calibri" panose="020F0502020204030204" pitchFamily="34" charset="0"/>
-                <a:cs typeface="Times New Roman" panose="02020603050405020304" pitchFamily="18" charset="0"/>
-              </a:rPr>
-              <a:t>bao</a:t>
-            </a:r>
-            <a:r>
-              <a:rPr lang="en-US" dirty="0">
-                <a:latin typeface="Times New Roman" panose="02020603050405020304" pitchFamily="18" charset="0"/>
-                <a:ea typeface="Calibri" panose="020F0502020204030204" pitchFamily="34" charset="0"/>
-                <a:cs typeface="Times New Roman" panose="02020603050405020304" pitchFamily="18" charset="0"/>
-              </a:rPr>
-              <a:t> </a:t>
-            </a:r>
-            <a:r>
-              <a:rPr lang="en-US" dirty="0" err="1">
-                <a:latin typeface="Times New Roman" panose="02020603050405020304" pitchFamily="18" charset="0"/>
-                <a:ea typeface="Calibri" panose="020F0502020204030204" pitchFamily="34" charset="0"/>
-                <a:cs typeface="Times New Roman" panose="02020603050405020304" pitchFamily="18" charset="0"/>
-              </a:rPr>
-              <a:t>gồm</a:t>
-            </a:r>
-            <a:r>
-              <a:rPr lang="en-US" dirty="0">
-                <a:latin typeface="Times New Roman" panose="02020603050405020304" pitchFamily="18" charset="0"/>
-                <a:ea typeface="Calibri" panose="020F0502020204030204" pitchFamily="34" charset="0"/>
-                <a:cs typeface="Times New Roman" panose="02020603050405020304" pitchFamily="18" charset="0"/>
-              </a:rPr>
-              <a:t> </a:t>
-            </a:r>
-            <a:r>
-              <a:rPr lang="en-US" dirty="0" err="1">
-                <a:latin typeface="Times New Roman" panose="02020603050405020304" pitchFamily="18" charset="0"/>
-                <a:ea typeface="Calibri" panose="020F0502020204030204" pitchFamily="34" charset="0"/>
-                <a:cs typeface="Times New Roman" panose="02020603050405020304" pitchFamily="18" charset="0"/>
-              </a:rPr>
-              <a:t>tất</a:t>
-            </a:r>
-            <a:r>
-              <a:rPr lang="en-US" dirty="0">
-                <a:latin typeface="Times New Roman" panose="02020603050405020304" pitchFamily="18" charset="0"/>
-                <a:ea typeface="Calibri" panose="020F0502020204030204" pitchFamily="34" charset="0"/>
-                <a:cs typeface="Times New Roman" panose="02020603050405020304" pitchFamily="18" charset="0"/>
-              </a:rPr>
-              <a:t> </a:t>
-            </a:r>
-            <a:r>
-              <a:rPr lang="en-US" dirty="0" err="1">
-                <a:latin typeface="Times New Roman" panose="02020603050405020304" pitchFamily="18" charset="0"/>
-                <a:ea typeface="Calibri" panose="020F0502020204030204" pitchFamily="34" charset="0"/>
-                <a:cs typeface="Times New Roman" panose="02020603050405020304" pitchFamily="18" charset="0"/>
-              </a:rPr>
-              <a:t>cả</a:t>
-            </a:r>
-            <a:r>
-              <a:rPr lang="en-US" dirty="0">
-                <a:latin typeface="Times New Roman" panose="02020603050405020304" pitchFamily="18" charset="0"/>
-                <a:ea typeface="Calibri" panose="020F0502020204030204" pitchFamily="34" charset="0"/>
-                <a:cs typeface="Times New Roman" panose="02020603050405020304" pitchFamily="18" charset="0"/>
-              </a:rPr>
-              <a:t> </a:t>
-            </a:r>
-            <a:r>
-              <a:rPr lang="en-US" dirty="0" err="1">
-                <a:latin typeface="Times New Roman" panose="02020603050405020304" pitchFamily="18" charset="0"/>
-                <a:ea typeface="Calibri" panose="020F0502020204030204" pitchFamily="34" charset="0"/>
-                <a:cs typeface="Times New Roman" panose="02020603050405020304" pitchFamily="18" charset="0"/>
-              </a:rPr>
-              <a:t>các</a:t>
-            </a:r>
-            <a:r>
-              <a:rPr lang="en-US" dirty="0">
-                <a:latin typeface="Times New Roman" panose="02020603050405020304" pitchFamily="18" charset="0"/>
-                <a:ea typeface="Calibri" panose="020F0502020204030204" pitchFamily="34" charset="0"/>
-                <a:cs typeface="Times New Roman" panose="02020603050405020304" pitchFamily="18" charset="0"/>
-              </a:rPr>
-              <a:t> </a:t>
-            </a:r>
-            <a:r>
-              <a:rPr lang="en-US" dirty="0" err="1">
-                <a:latin typeface="Times New Roman" panose="02020603050405020304" pitchFamily="18" charset="0"/>
-                <a:ea typeface="Calibri" panose="020F0502020204030204" pitchFamily="34" charset="0"/>
-                <a:cs typeface="Times New Roman" panose="02020603050405020304" pitchFamily="18" charset="0"/>
-              </a:rPr>
-              <a:t>giai</a:t>
-            </a:r>
-            <a:r>
-              <a:rPr lang="en-US" dirty="0">
-                <a:latin typeface="Times New Roman" panose="02020603050405020304" pitchFamily="18" charset="0"/>
-                <a:ea typeface="Calibri" panose="020F0502020204030204" pitchFamily="34" charset="0"/>
-                <a:cs typeface="Times New Roman" panose="02020603050405020304" pitchFamily="18" charset="0"/>
-              </a:rPr>
-              <a:t> </a:t>
-            </a:r>
-            <a:r>
-              <a:rPr lang="en-US" dirty="0" err="1">
-                <a:latin typeface="Times New Roman" panose="02020603050405020304" pitchFamily="18" charset="0"/>
-                <a:ea typeface="Calibri" panose="020F0502020204030204" pitchFamily="34" charset="0"/>
-                <a:cs typeface="Times New Roman" panose="02020603050405020304" pitchFamily="18" charset="0"/>
-              </a:rPr>
-              <a:t>đoạn</a:t>
-            </a:r>
-            <a:r>
-              <a:rPr lang="en-US" dirty="0">
-                <a:latin typeface="Times New Roman" panose="02020603050405020304" pitchFamily="18" charset="0"/>
-                <a:ea typeface="Calibri" panose="020F0502020204030204" pitchFamily="34" charset="0"/>
-                <a:cs typeface="Times New Roman" panose="02020603050405020304" pitchFamily="18" charset="0"/>
-              </a:rPr>
-              <a:t>. </a:t>
+              <a:t>.</a:t>
             </a:r>
           </a:p>
           <a:p>
-            <a:pPr indent="360045" algn="just">
+            <a:pPr marL="285750" indent="-285750" algn="just">
               <a:lnSpc>
                 <a:spcPct val="150000"/>
               </a:lnSpc>
-              <a:spcBef>
-                <a:spcPts val="600"/>
-              </a:spcBef>
+              <a:buFont typeface="Arial" panose="020B0604020202020204" pitchFamily="34" charset="0"/>
+              <a:buChar char="•"/>
             </a:pPr>
             <a:r>
-              <a:rPr lang="en-US" dirty="0" err="1">
+              <a:rPr lang="en-US" dirty="0" err="1" smtClean="0">
                 <a:latin typeface="Times New Roman" panose="02020603050405020304" pitchFamily="18" charset="0"/>
                 <a:ea typeface="Calibri" panose="020F0502020204030204" pitchFamily="34" charset="0"/>
                 <a:cs typeface="Times New Roman" panose="02020603050405020304" pitchFamily="18" charset="0"/>
@@ -14205,7 +14245,7 @@
               <a:t>Các</a:t>
             </a:r>
             <a:r>
-              <a:rPr lang="en-US" dirty="0">
+              <a:rPr lang="en-US" dirty="0" smtClean="0">
                 <a:latin typeface="Times New Roman" panose="02020603050405020304" pitchFamily="18" charset="0"/>
                 <a:ea typeface="Calibri" panose="020F0502020204030204" pitchFamily="34" charset="0"/>
                 <a:cs typeface="Times New Roman" panose="02020603050405020304" pitchFamily="18" charset="0"/>
@@ -18808,21 +18848,14 @@
                 <a:latin typeface="Times New Roman" panose="02020603050405020304" pitchFamily="18" charset="0"/>
                 <a:cs typeface="Times New Roman" panose="02020603050405020304" pitchFamily="18" charset="0"/>
               </a:rPr>
-              <a:t> giảm thiểu tối đa chi phí làm phần mềm</a:t>
-            </a:r>
-            <a:r>
-              <a:rPr lang="en-US" dirty="0">
-                <a:latin typeface="Times New Roman" panose="02020603050405020304" pitchFamily="18" charset="0"/>
-                <a:cs typeface="Times New Roman" panose="02020603050405020304" pitchFamily="18" charset="0"/>
-              </a:rPr>
-              <a:t>,</a:t>
-            </a:r>
-            <a:r>
-              <a:rPr lang="vi-VN" dirty="0">
-                <a:latin typeface="Times New Roman" panose="02020603050405020304" pitchFamily="18" charset="0"/>
-                <a:cs typeface="Times New Roman" panose="02020603050405020304" pitchFamily="18" charset="0"/>
-              </a:rPr>
-              <a:t>sản phẩm.</a:t>
+              <a:t> giảm thiểu tối đa chi phí làm phần </a:t>
+            </a:r>
+            <a:r>
+              <a:rPr lang="vi-VN" dirty="0" smtClean="0">
+                <a:latin typeface="Times New Roman" panose="02020603050405020304" pitchFamily="18" charset="0"/>
+                <a:cs typeface="Times New Roman" panose="02020603050405020304" pitchFamily="18" charset="0"/>
+              </a:rPr>
+              <a:t>mềm.</a:t>
             </a:r>
             <a:endParaRPr lang="en-US" dirty="0">
               <a:latin typeface="Times New Roman" panose="02020603050405020304" pitchFamily="18" charset="0"/>
@@ -19250,7 +19283,7 @@
         <p:spPr>
           <a:xfrm>
             <a:off x="775854" y="721232"/>
-            <a:ext cx="759435" cy="307777"/>
+            <a:ext cx="1821873" cy="307777"/>
           </a:xfrm>
           <a:prstGeom prst="rect">
             <a:avLst/>
@@ -19274,8 +19307,61 @@
                 <a:latin typeface="Times New Roman" panose="02020603050405020304" pitchFamily="18" charset="0"/>
                 <a:cs typeface="Times New Roman" panose="02020603050405020304" pitchFamily="18" charset="0"/>
               </a:rPr>
-              <a:t> do:</a:t>
-            </a:r>
+              <a:t> </a:t>
+            </a:r>
+            <a:r>
+              <a:rPr lang="en-US" b="1" dirty="0" smtClean="0">
+                <a:latin typeface="Times New Roman" panose="02020603050405020304" pitchFamily="18" charset="0"/>
+                <a:cs typeface="Times New Roman" panose="02020603050405020304" pitchFamily="18" charset="0"/>
+              </a:rPr>
+              <a:t>do </a:t>
+            </a:r>
+            <a:r>
+              <a:rPr lang="en-US" b="1" dirty="0" err="1" smtClean="0">
+                <a:latin typeface="Times New Roman" panose="02020603050405020304" pitchFamily="18" charset="0"/>
+                <a:cs typeface="Times New Roman" panose="02020603050405020304" pitchFamily="18" charset="0"/>
+              </a:rPr>
+              <a:t>chọn</a:t>
+            </a:r>
+            <a:r>
+              <a:rPr lang="en-US" b="1" dirty="0" smtClean="0">
+                <a:latin typeface="Times New Roman" panose="02020603050405020304" pitchFamily="18" charset="0"/>
+                <a:cs typeface="Times New Roman" panose="02020603050405020304" pitchFamily="18" charset="0"/>
+              </a:rPr>
+              <a:t> </a:t>
+            </a:r>
+            <a:r>
+              <a:rPr lang="en-US" b="1" dirty="0" err="1" smtClean="0">
+                <a:latin typeface="Times New Roman" panose="02020603050405020304" pitchFamily="18" charset="0"/>
+                <a:cs typeface="Times New Roman" panose="02020603050405020304" pitchFamily="18" charset="0"/>
+              </a:rPr>
+              <a:t>đề</a:t>
+            </a:r>
+            <a:r>
+              <a:rPr lang="en-US" b="1" dirty="0" smtClean="0">
+                <a:latin typeface="Times New Roman" panose="02020603050405020304" pitchFamily="18" charset="0"/>
+                <a:cs typeface="Times New Roman" panose="02020603050405020304" pitchFamily="18" charset="0"/>
+              </a:rPr>
+              <a:t> </a:t>
+            </a:r>
+            <a:r>
+              <a:rPr lang="en-US" b="1" dirty="0" err="1" smtClean="0">
+                <a:latin typeface="Times New Roman" panose="02020603050405020304" pitchFamily="18" charset="0"/>
+                <a:cs typeface="Times New Roman" panose="02020603050405020304" pitchFamily="18" charset="0"/>
+              </a:rPr>
+              <a:t>tài</a:t>
+            </a:r>
+            <a:r>
+              <a:rPr lang="en-US" b="1" dirty="0" smtClean="0">
+                <a:latin typeface="Times New Roman" panose="02020603050405020304" pitchFamily="18" charset="0"/>
+                <a:cs typeface="Times New Roman" panose="02020603050405020304" pitchFamily="18" charset="0"/>
+              </a:rPr>
+              <a:t>:</a:t>
+            </a:r>
+            <a:endParaRPr lang="en-US" b="1" dirty="0">
+              <a:latin typeface="Times New Roman" panose="02020603050405020304" pitchFamily="18" charset="0"/>
+              <a:cs typeface="Times New Roman" panose="02020603050405020304" pitchFamily="18" charset="0"/>
+            </a:endParaRPr>
           </a:p>
         </p:txBody>
       </p:sp>
@@ -19723,33 +19809,23 @@
               <a:t> </a:t>
             </a:r>
             <a:r>
-              <a:rPr lang="en-US" dirty="0" err="1">
+              <a:rPr lang="en-US" dirty="0" err="1" smtClean="0">
                 <a:latin typeface="Times New Roman" panose="02020603050405020304" pitchFamily="18" charset="0"/>
                 <a:cs typeface="Times New Roman" panose="02020603050405020304" pitchFamily="18" charset="0"/>
               </a:rPr>
               <a:t>cho</a:t>
             </a:r>
             <a:r>
-              <a:rPr lang="en-US" dirty="0">
-                <a:latin typeface="Times New Roman" panose="02020603050405020304" pitchFamily="18" charset="0"/>
-                <a:cs typeface="Times New Roman" panose="02020603050405020304" pitchFamily="18" charset="0"/>
-              </a:rPr>
-              <a:t> </a:t>
-            </a:r>
-            <a:r>
-              <a:rPr lang="en-US" dirty="0" err="1">
-                <a:latin typeface="Times New Roman" panose="02020603050405020304" pitchFamily="18" charset="0"/>
-                <a:cs typeface="Times New Roman" panose="02020603050405020304" pitchFamily="18" charset="0"/>
-              </a:rPr>
-              <a:t>trang</a:t>
-            </a:r>
-            <a:r>
-              <a:rPr lang="en-US" dirty="0">
-                <a:latin typeface="Times New Roman" panose="02020603050405020304" pitchFamily="18" charset="0"/>
-                <a:cs typeface="Times New Roman" panose="02020603050405020304" pitchFamily="18" charset="0"/>
-              </a:rPr>
-              <a:t> web</a:t>
-            </a:r>
+              <a:rPr lang="en-US" dirty="0" smtClean="0">
+                <a:latin typeface="Times New Roman" panose="02020603050405020304" pitchFamily="18" charset="0"/>
+                <a:cs typeface="Times New Roman" panose="02020603050405020304" pitchFamily="18" charset="0"/>
+              </a:rPr>
+              <a:t> website</a:t>
+            </a:r>
+            <a:endParaRPr lang="en-US" dirty="0">
+              <a:latin typeface="Times New Roman" panose="02020603050405020304" pitchFamily="18" charset="0"/>
+              <a:cs typeface="Times New Roman" panose="02020603050405020304" pitchFamily="18" charset="0"/>
+            </a:endParaRPr>
           </a:p>
         </p:txBody>
       </p:sp>
@@ -20063,7 +20139,7 @@
         <p:spPr>
           <a:xfrm>
             <a:off x="4185430" y="1113097"/>
-            <a:ext cx="4461398" cy="1622663"/>
+            <a:ext cx="4461398" cy="1782503"/>
           </a:xfrm>
           <a:prstGeom prst="rect">
             <a:avLst/>
@@ -20272,88 +20348,11 @@
               <a:t> </a:t>
             </a:r>
             <a:r>
-              <a:rPr lang="en-US" sz="1400" dirty="0" err="1">
+              <a:rPr lang="en-US" sz="1400" dirty="0" err="1" smtClean="0">
                 <a:latin typeface="Times New Roman" panose="02020603050405020304" pitchFamily="18" charset="0"/>
                 <a:cs typeface="Times New Roman" panose="02020603050405020304" pitchFamily="18" charset="0"/>
               </a:rPr>
               <a:t>phí</a:t>
-            </a:r>
-            <a:r>
-              <a:rPr lang="en-US" sz="1400" dirty="0">
-                <a:latin typeface="Times New Roman" panose="02020603050405020304" pitchFamily="18" charset="0"/>
-                <a:cs typeface="Times New Roman" panose="02020603050405020304" pitchFamily="18" charset="0"/>
-              </a:rPr>
-              <a:t> </a:t>
-            </a:r>
-            <a:r>
-              <a:rPr lang="en-US" sz="1400" dirty="0" err="1">
-                <a:latin typeface="Times New Roman" panose="02020603050405020304" pitchFamily="18" charset="0"/>
-                <a:cs typeface="Times New Roman" panose="02020603050405020304" pitchFamily="18" charset="0"/>
-              </a:rPr>
-              <a:t>được</a:t>
-            </a:r>
-            <a:r>
-              <a:rPr lang="en-US" sz="1400" dirty="0">
-                <a:latin typeface="Times New Roman" panose="02020603050405020304" pitchFamily="18" charset="0"/>
-                <a:cs typeface="Times New Roman" panose="02020603050405020304" pitchFamily="18" charset="0"/>
-              </a:rPr>
-              <a:t> </a:t>
-            </a:r>
-            <a:r>
-              <a:rPr lang="en-US" sz="1400" dirty="0" err="1">
-                <a:latin typeface="Times New Roman" panose="02020603050405020304" pitchFamily="18" charset="0"/>
-                <a:cs typeface="Times New Roman" panose="02020603050405020304" pitchFamily="18" charset="0"/>
-              </a:rPr>
-              <a:t>phát</a:t>
-            </a:r>
-            <a:r>
-              <a:rPr lang="en-US" sz="1400" dirty="0">
-                <a:latin typeface="Times New Roman" panose="02020603050405020304" pitchFamily="18" charset="0"/>
-                <a:cs typeface="Times New Roman" panose="02020603050405020304" pitchFamily="18" charset="0"/>
-              </a:rPr>
-              <a:t> </a:t>
-            </a:r>
-            <a:r>
-              <a:rPr lang="en-US" sz="1400" dirty="0" err="1">
-                <a:latin typeface="Times New Roman" panose="02020603050405020304" pitchFamily="18" charset="0"/>
-                <a:cs typeface="Times New Roman" panose="02020603050405020304" pitchFamily="18" charset="0"/>
-              </a:rPr>
-              <a:t>triển</a:t>
-            </a:r>
-            <a:r>
-              <a:rPr lang="en-US" sz="1400" dirty="0">
-                <a:latin typeface="Times New Roman" panose="02020603050405020304" pitchFamily="18" charset="0"/>
-                <a:cs typeface="Times New Roman" panose="02020603050405020304" pitchFamily="18" charset="0"/>
-              </a:rPr>
-              <a:t> </a:t>
-            </a:r>
-            <a:r>
-              <a:rPr lang="en-US" sz="1400" dirty="0" err="1">
-                <a:latin typeface="Times New Roman" panose="02020603050405020304" pitchFamily="18" charset="0"/>
-                <a:cs typeface="Times New Roman" panose="02020603050405020304" pitchFamily="18" charset="0"/>
-              </a:rPr>
-              <a:t>bởi</a:t>
-            </a:r>
-            <a:r>
-              <a:rPr lang="en-US" sz="1400" dirty="0">
-                <a:latin typeface="Times New Roman" panose="02020603050405020304" pitchFamily="18" charset="0"/>
-                <a:cs typeface="Times New Roman" panose="02020603050405020304" pitchFamily="18" charset="0"/>
-              </a:rPr>
-              <a:t> </a:t>
-            </a:r>
-            <a:r>
-              <a:rPr lang="en-US" sz="1400" dirty="0" err="1">
-                <a:latin typeface="Times New Roman" panose="02020603050405020304" pitchFamily="18" charset="0"/>
-                <a:cs typeface="Times New Roman" panose="02020603050405020304" pitchFamily="18" charset="0"/>
-              </a:rPr>
-              <a:t>Katalon</a:t>
-            </a:r>
-            <a:r>
-              <a:rPr lang="en-US" sz="1400" dirty="0">
-                <a:latin typeface="Times New Roman" panose="02020603050405020304" pitchFamily="18" charset="0"/>
-                <a:cs typeface="Times New Roman" panose="02020603050405020304" pitchFamily="18" charset="0"/>
-              </a:rPr>
-              <a:t> LLC. </a:t>
             </a:r>
             <a:endParaRPr lang="en-US" sz="1400" dirty="0" smtClean="0">
               <a:latin typeface="Times New Roman" panose="02020603050405020304" pitchFamily="18" charset="0"/>
@@ -20373,52 +20372,10 @@
                 <a:latin typeface="Times New Roman" panose="02020603050405020304" pitchFamily="18" charset="0"/>
                 <a:cs typeface="Times New Roman" panose="02020603050405020304" pitchFamily="18" charset="0"/>
               </a:rPr>
-              <a:t>Công</a:t>
+              <a:t>Được</a:t>
             </a:r>
             <a:r>
               <a:rPr lang="en-US" sz="1400" dirty="0" smtClean="0">
-                <a:latin typeface="Times New Roman" panose="02020603050405020304" pitchFamily="18" charset="0"/>
-                <a:cs typeface="Times New Roman" panose="02020603050405020304" pitchFamily="18" charset="0"/>
-              </a:rPr>
-              <a:t> </a:t>
-            </a:r>
-            <a:r>
-              <a:rPr lang="en-US" sz="1400" dirty="0" err="1">
-                <a:latin typeface="Times New Roman" panose="02020603050405020304" pitchFamily="18" charset="0"/>
-                <a:cs typeface="Times New Roman" panose="02020603050405020304" pitchFamily="18" charset="0"/>
-              </a:rPr>
-              <a:t>cụ</a:t>
-            </a:r>
-            <a:r>
-              <a:rPr lang="en-US" sz="1400" dirty="0">
-                <a:latin typeface="Times New Roman" panose="02020603050405020304" pitchFamily="18" charset="0"/>
-                <a:cs typeface="Times New Roman" panose="02020603050405020304" pitchFamily="18" charset="0"/>
-              </a:rPr>
-              <a:t> </a:t>
-            </a:r>
-            <a:r>
-              <a:rPr lang="en-US" sz="1400" dirty="0" err="1">
-                <a:latin typeface="Times New Roman" panose="02020603050405020304" pitchFamily="18" charset="0"/>
-                <a:cs typeface="Times New Roman" panose="02020603050405020304" pitchFamily="18" charset="0"/>
-              </a:rPr>
-              <a:t>này</a:t>
-            </a:r>
-            <a:r>
-              <a:rPr lang="en-US" sz="1400" dirty="0">
-                <a:latin typeface="Times New Roman" panose="02020603050405020304" pitchFamily="18" charset="0"/>
-                <a:cs typeface="Times New Roman" panose="02020603050405020304" pitchFamily="18" charset="0"/>
-              </a:rPr>
-              <a:t> </a:t>
-            </a:r>
-            <a:r>
-              <a:rPr lang="en-US" sz="1400" dirty="0" err="1">
-                <a:latin typeface="Times New Roman" panose="02020603050405020304" pitchFamily="18" charset="0"/>
-                <a:cs typeface="Times New Roman" panose="02020603050405020304" pitchFamily="18" charset="0"/>
-              </a:rPr>
-              <a:t>được</a:t>
-            </a:r>
-            <a:r>
-              <a:rPr lang="en-US" sz="1400" dirty="0">
                 <a:latin typeface="Times New Roman" panose="02020603050405020304" pitchFamily="18" charset="0"/>
                 <a:cs typeface="Times New Roman" panose="02020603050405020304" pitchFamily="18" charset="0"/>
               </a:rPr>
@@ -20778,108 +20735,17 @@
                 <a:latin typeface="Times New Roman" panose="02020603050405020304" pitchFamily="18" charset="0"/>
                 <a:cs typeface="Times New Roman" panose="02020603050405020304" pitchFamily="18" charset="0"/>
               </a:rPr>
-              <a:t>Công</a:t>
+              <a:t>Đ</a:t>
+            </a:r>
+            <a:r>
+              <a:rPr lang="en-US" sz="1400" dirty="0" err="1" smtClean="0">
+                <a:latin typeface="Times New Roman" panose="02020603050405020304" pitchFamily="18" charset="0"/>
+                <a:cs typeface="Times New Roman" panose="02020603050405020304" pitchFamily="18" charset="0"/>
+              </a:rPr>
+              <a:t>ầy</a:t>
             </a:r>
             <a:r>
               <a:rPr lang="en-US" sz="1400" dirty="0" smtClean="0">
-                <a:latin typeface="Times New Roman" panose="02020603050405020304" pitchFamily="18" charset="0"/>
-                <a:cs typeface="Times New Roman" panose="02020603050405020304" pitchFamily="18" charset="0"/>
-              </a:rPr>
-              <a:t> </a:t>
-            </a:r>
-            <a:r>
-              <a:rPr lang="en-US" sz="1400" dirty="0" err="1">
-                <a:latin typeface="Times New Roman" panose="02020603050405020304" pitchFamily="18" charset="0"/>
-                <a:cs typeface="Times New Roman" panose="02020603050405020304" pitchFamily="18" charset="0"/>
-              </a:rPr>
-              <a:t>cụ</a:t>
-            </a:r>
-            <a:r>
-              <a:rPr lang="en-US" sz="1400" dirty="0">
-                <a:latin typeface="Times New Roman" panose="02020603050405020304" pitchFamily="18" charset="0"/>
-                <a:cs typeface="Times New Roman" panose="02020603050405020304" pitchFamily="18" charset="0"/>
-              </a:rPr>
-              <a:t> </a:t>
-            </a:r>
-            <a:r>
-              <a:rPr lang="en-US" sz="1400" dirty="0" err="1">
-                <a:latin typeface="Times New Roman" panose="02020603050405020304" pitchFamily="18" charset="0"/>
-                <a:cs typeface="Times New Roman" panose="02020603050405020304" pitchFamily="18" charset="0"/>
-              </a:rPr>
-              <a:t>này</a:t>
-            </a:r>
-            <a:r>
-              <a:rPr lang="en-US" sz="1400" dirty="0">
-                <a:latin typeface="Times New Roman" panose="02020603050405020304" pitchFamily="18" charset="0"/>
-                <a:cs typeface="Times New Roman" panose="02020603050405020304" pitchFamily="18" charset="0"/>
-              </a:rPr>
-              <a:t> </a:t>
-            </a:r>
-            <a:r>
-              <a:rPr lang="en-US" sz="1400" dirty="0" err="1">
-                <a:latin typeface="Times New Roman" panose="02020603050405020304" pitchFamily="18" charset="0"/>
-                <a:cs typeface="Times New Roman" panose="02020603050405020304" pitchFamily="18" charset="0"/>
-              </a:rPr>
-              <a:t>bao</a:t>
-            </a:r>
-            <a:r>
-              <a:rPr lang="en-US" sz="1400" dirty="0">
-                <a:latin typeface="Times New Roman" panose="02020603050405020304" pitchFamily="18" charset="0"/>
-                <a:cs typeface="Times New Roman" panose="02020603050405020304" pitchFamily="18" charset="0"/>
-              </a:rPr>
-              <a:t> </a:t>
-            </a:r>
-            <a:r>
-              <a:rPr lang="en-US" sz="1400" dirty="0" err="1">
-                <a:latin typeface="Times New Roman" panose="02020603050405020304" pitchFamily="18" charset="0"/>
-                <a:cs typeface="Times New Roman" panose="02020603050405020304" pitchFamily="18" charset="0"/>
-              </a:rPr>
-              <a:t>gồm</a:t>
-            </a:r>
-            <a:r>
-              <a:rPr lang="en-US" sz="1400" dirty="0">
-                <a:latin typeface="Times New Roman" panose="02020603050405020304" pitchFamily="18" charset="0"/>
-                <a:cs typeface="Times New Roman" panose="02020603050405020304" pitchFamily="18" charset="0"/>
-              </a:rPr>
-              <a:t> </a:t>
-            </a:r>
-            <a:r>
-              <a:rPr lang="en-US" sz="1400" dirty="0" err="1">
-                <a:latin typeface="Times New Roman" panose="02020603050405020304" pitchFamily="18" charset="0"/>
-                <a:cs typeface="Times New Roman" panose="02020603050405020304" pitchFamily="18" charset="0"/>
-              </a:rPr>
-              <a:t>một</a:t>
-            </a:r>
-            <a:r>
-              <a:rPr lang="en-US" sz="1400" dirty="0">
-                <a:latin typeface="Times New Roman" panose="02020603050405020304" pitchFamily="18" charset="0"/>
-                <a:cs typeface="Times New Roman" panose="02020603050405020304" pitchFamily="18" charset="0"/>
-              </a:rPr>
-              <a:t> </a:t>
-            </a:r>
-            <a:r>
-              <a:rPr lang="en-US" sz="1400" dirty="0" err="1">
-                <a:latin typeface="Times New Roman" panose="02020603050405020304" pitchFamily="18" charset="0"/>
-                <a:cs typeface="Times New Roman" panose="02020603050405020304" pitchFamily="18" charset="0"/>
-              </a:rPr>
-              <a:t>gói</a:t>
-            </a:r>
-            <a:r>
-              <a:rPr lang="en-US" sz="1400" dirty="0">
-                <a:latin typeface="Times New Roman" panose="02020603050405020304" pitchFamily="18" charset="0"/>
-                <a:cs typeface="Times New Roman" panose="02020603050405020304" pitchFamily="18" charset="0"/>
-              </a:rPr>
-              <a:t> </a:t>
-            </a:r>
-            <a:r>
-              <a:rPr lang="en-US" sz="1400" dirty="0" err="1">
-                <a:latin typeface="Times New Roman" panose="02020603050405020304" pitchFamily="18" charset="0"/>
-                <a:cs typeface="Times New Roman" panose="02020603050405020304" pitchFamily="18" charset="0"/>
-              </a:rPr>
-              <a:t>đầy</a:t>
-            </a:r>
-            <a:r>
-              <a:rPr lang="en-US" sz="1400" dirty="0">
                 <a:latin typeface="Times New Roman" panose="02020603050405020304" pitchFamily="18" charset="0"/>
                 <a:cs typeface="Times New Roman" panose="02020603050405020304" pitchFamily="18" charset="0"/>
               </a:rPr>
@@ -37365,7 +37231,7 @@
         <p:spPr>
           <a:xfrm>
             <a:off x="4295775" y="1149927"/>
-            <a:ext cx="3887556" cy="2492990"/>
+            <a:ext cx="3887556" cy="2292935"/>
           </a:xfrm>
           <a:prstGeom prst="rect">
             <a:avLst/>
@@ -37612,153 +37478,13 @@
               </a:rPr>
               <a:t> </a:t>
             </a:r>
-            <a:r>
-              <a:rPr lang="en-US" sz="1300" dirty="0" err="1">
-                <a:latin typeface="Times New Roman" panose="02020603050405020304" pitchFamily="18" charset="0"/>
-                <a:cs typeface="Times New Roman" panose="02020603050405020304" pitchFamily="18" charset="0"/>
-              </a:rPr>
-              <a:t>cho</a:t>
-            </a:r>
-            <a:r>
-              <a:rPr lang="en-US" sz="1300" dirty="0">
-                <a:latin typeface="Times New Roman" panose="02020603050405020304" pitchFamily="18" charset="0"/>
-                <a:cs typeface="Times New Roman" panose="02020603050405020304" pitchFamily="18" charset="0"/>
-              </a:rPr>
-              <a:t> </a:t>
-            </a:r>
-            <a:r>
-              <a:rPr lang="en-US" sz="1300" dirty="0" err="1">
-                <a:latin typeface="Times New Roman" panose="02020603050405020304" pitchFamily="18" charset="0"/>
-                <a:cs typeface="Times New Roman" panose="02020603050405020304" pitchFamily="18" charset="0"/>
-              </a:rPr>
-              <a:t>các</a:t>
-            </a:r>
-            <a:r>
-              <a:rPr lang="en-US" sz="1300" dirty="0">
-                <a:latin typeface="Times New Roman" panose="02020603050405020304" pitchFamily="18" charset="0"/>
-                <a:cs typeface="Times New Roman" panose="02020603050405020304" pitchFamily="18" charset="0"/>
-              </a:rPr>
-              <a:t> </a:t>
-            </a:r>
-            <a:r>
-              <a:rPr lang="en-US" sz="1300" dirty="0" err="1">
-                <a:latin typeface="Times New Roman" panose="02020603050405020304" pitchFamily="18" charset="0"/>
-                <a:cs typeface="Times New Roman" panose="02020603050405020304" pitchFamily="18" charset="0"/>
-              </a:rPr>
-              <a:t>ứng</a:t>
-            </a:r>
-            <a:r>
-              <a:rPr lang="en-US" sz="1300" dirty="0">
-                <a:latin typeface="Times New Roman" panose="02020603050405020304" pitchFamily="18" charset="0"/>
-                <a:cs typeface="Times New Roman" panose="02020603050405020304" pitchFamily="18" charset="0"/>
-              </a:rPr>
-              <a:t> </a:t>
-            </a:r>
-            <a:r>
-              <a:rPr lang="en-US" sz="1300" dirty="0" err="1">
-                <a:latin typeface="Times New Roman" panose="02020603050405020304" pitchFamily="18" charset="0"/>
-                <a:cs typeface="Times New Roman" panose="02020603050405020304" pitchFamily="18" charset="0"/>
-              </a:rPr>
-              <a:t>dụng</a:t>
-            </a:r>
-            <a:r>
-              <a:rPr lang="en-US" sz="1300" dirty="0">
-                <a:latin typeface="Times New Roman" panose="02020603050405020304" pitchFamily="18" charset="0"/>
-                <a:cs typeface="Times New Roman" panose="02020603050405020304" pitchFamily="18" charset="0"/>
-              </a:rPr>
-              <a:t> Web </a:t>
-            </a:r>
-            <a:r>
-              <a:rPr lang="en-US" sz="1300" dirty="0" err="1">
-                <a:latin typeface="Times New Roman" panose="02020603050405020304" pitchFamily="18" charset="0"/>
-                <a:cs typeface="Times New Roman" panose="02020603050405020304" pitchFamily="18" charset="0"/>
-              </a:rPr>
-              <a:t>và</a:t>
-            </a:r>
-            <a:r>
-              <a:rPr lang="en-US" sz="1300" dirty="0">
-                <a:latin typeface="Times New Roman" panose="02020603050405020304" pitchFamily="18" charset="0"/>
-                <a:cs typeface="Times New Roman" panose="02020603050405020304" pitchFamily="18" charset="0"/>
-              </a:rPr>
-              <a:t> </a:t>
-            </a:r>
-            <a:r>
-              <a:rPr lang="en-US" sz="1300" dirty="0" err="1">
-                <a:latin typeface="Times New Roman" panose="02020603050405020304" pitchFamily="18" charset="0"/>
-                <a:cs typeface="Times New Roman" panose="02020603050405020304" pitchFamily="18" charset="0"/>
-              </a:rPr>
-              <a:t>một</a:t>
-            </a:r>
-            <a:r>
-              <a:rPr lang="en-US" sz="1300" dirty="0">
-                <a:latin typeface="Times New Roman" panose="02020603050405020304" pitchFamily="18" charset="0"/>
-                <a:cs typeface="Times New Roman" panose="02020603050405020304" pitchFamily="18" charset="0"/>
-              </a:rPr>
-              <a:t> </a:t>
-            </a:r>
-            <a:r>
-              <a:rPr lang="en-US" sz="1300" dirty="0" err="1">
-                <a:latin typeface="Times New Roman" panose="02020603050405020304" pitchFamily="18" charset="0"/>
-                <a:cs typeface="Times New Roman" panose="02020603050405020304" pitchFamily="18" charset="0"/>
-              </a:rPr>
-              <a:t>số</a:t>
-            </a:r>
-            <a:r>
-              <a:rPr lang="en-US" sz="1300" dirty="0">
-                <a:latin typeface="Times New Roman" panose="02020603050405020304" pitchFamily="18" charset="0"/>
-                <a:cs typeface="Times New Roman" panose="02020603050405020304" pitchFamily="18" charset="0"/>
-              </a:rPr>
-              <a:t> </a:t>
-            </a:r>
-            <a:r>
-              <a:rPr lang="en-US" sz="1300" dirty="0" err="1">
-                <a:latin typeface="Times New Roman" panose="02020603050405020304" pitchFamily="18" charset="0"/>
-                <a:cs typeface="Times New Roman" panose="02020603050405020304" pitchFamily="18" charset="0"/>
-              </a:rPr>
-              <a:t>ứng</a:t>
-            </a:r>
-            <a:r>
-              <a:rPr lang="en-US" sz="1300" dirty="0">
-                <a:latin typeface="Times New Roman" panose="02020603050405020304" pitchFamily="18" charset="0"/>
-                <a:cs typeface="Times New Roman" panose="02020603050405020304" pitchFamily="18" charset="0"/>
-              </a:rPr>
-              <a:t> </a:t>
-            </a:r>
-            <a:r>
-              <a:rPr lang="en-US" sz="1300" dirty="0" err="1">
-                <a:latin typeface="Times New Roman" panose="02020603050405020304" pitchFamily="18" charset="0"/>
-                <a:cs typeface="Times New Roman" panose="02020603050405020304" pitchFamily="18" charset="0"/>
-              </a:rPr>
-              <a:t>dụng</a:t>
-            </a:r>
-            <a:r>
-              <a:rPr lang="en-US" sz="1300" dirty="0">
-                <a:latin typeface="Times New Roman" panose="02020603050405020304" pitchFamily="18" charset="0"/>
-                <a:cs typeface="Times New Roman" panose="02020603050405020304" pitchFamily="18" charset="0"/>
-              </a:rPr>
-              <a:t> </a:t>
-            </a:r>
-            <a:r>
-              <a:rPr lang="en-US" sz="1300" dirty="0" err="1">
-                <a:latin typeface="Times New Roman" panose="02020603050405020304" pitchFamily="18" charset="0"/>
-                <a:cs typeface="Times New Roman" panose="02020603050405020304" pitchFamily="18" charset="0"/>
-              </a:rPr>
-              <a:t>khác</a:t>
-            </a:r>
-            <a:r>
-              <a:rPr lang="en-US" sz="1300" dirty="0">
-                <a:latin typeface="Times New Roman" panose="02020603050405020304" pitchFamily="18" charset="0"/>
-                <a:cs typeface="Times New Roman" panose="02020603050405020304" pitchFamily="18" charset="0"/>
-              </a:rPr>
-              <a:t>. </a:t>
-            </a:r>
             <a:endParaRPr lang="en-US" sz="1300" dirty="0" smtClean="0">
               <a:latin typeface="Times New Roman" panose="02020603050405020304" pitchFamily="18" charset="0"/>
               <a:cs typeface="Times New Roman" panose="02020603050405020304" pitchFamily="18" charset="0"/>
             </a:endParaRPr>
           </a:p>
           <a:p>
-            <a:pPr marL="361950" indent="-285750">
+            <a:pPr marL="361950" lvl="2" indent="-285750">
               <a:buFont typeface="Arial" panose="020B0604020202020204" pitchFamily="34" charset="0"/>
               <a:buChar char="•"/>
             </a:pPr>
@@ -37767,52 +37493,17 @@
                 <a:latin typeface="Times New Roman" panose="02020603050405020304" pitchFamily="18" charset="0"/>
                 <a:cs typeface="Times New Roman" panose="02020603050405020304" pitchFamily="18" charset="0"/>
               </a:rPr>
-              <a:t>Công</a:t>
+              <a:t>H</a:t>
+            </a:r>
+            <a:r>
+              <a:rPr lang="en-US" sz="1300" dirty="0" err="1" smtClean="0">
+                <a:latin typeface="Times New Roman" panose="02020603050405020304" pitchFamily="18" charset="0"/>
+                <a:cs typeface="Times New Roman" panose="02020603050405020304" pitchFamily="18" charset="0"/>
+              </a:rPr>
+              <a:t>ỗ</a:t>
             </a:r>
             <a:r>
               <a:rPr lang="en-US" sz="1300" dirty="0" smtClean="0">
-                <a:latin typeface="Times New Roman" panose="02020603050405020304" pitchFamily="18" charset="0"/>
-                <a:cs typeface="Times New Roman" panose="02020603050405020304" pitchFamily="18" charset="0"/>
-              </a:rPr>
-              <a:t> </a:t>
-            </a:r>
-            <a:r>
-              <a:rPr lang="en-US" sz="1300" dirty="0" err="1">
-                <a:latin typeface="Times New Roman" panose="02020603050405020304" pitchFamily="18" charset="0"/>
-                <a:cs typeface="Times New Roman" panose="02020603050405020304" pitchFamily="18" charset="0"/>
-              </a:rPr>
-              <a:t>cụ</a:t>
-            </a:r>
-            <a:r>
-              <a:rPr lang="en-US" sz="1300" dirty="0">
-                <a:latin typeface="Times New Roman" panose="02020603050405020304" pitchFamily="18" charset="0"/>
-                <a:cs typeface="Times New Roman" panose="02020603050405020304" pitchFamily="18" charset="0"/>
-              </a:rPr>
-              <a:t> </a:t>
-            </a:r>
-            <a:r>
-              <a:rPr lang="en-US" sz="1300" dirty="0" err="1">
-                <a:latin typeface="Times New Roman" panose="02020603050405020304" pitchFamily="18" charset="0"/>
-                <a:cs typeface="Times New Roman" panose="02020603050405020304" pitchFamily="18" charset="0"/>
-              </a:rPr>
-              <a:t>này</a:t>
-            </a:r>
-            <a:r>
-              <a:rPr lang="en-US" sz="1300" dirty="0">
-                <a:latin typeface="Times New Roman" panose="02020603050405020304" pitchFamily="18" charset="0"/>
-                <a:cs typeface="Times New Roman" panose="02020603050405020304" pitchFamily="18" charset="0"/>
-              </a:rPr>
-              <a:t> </a:t>
-            </a:r>
-            <a:r>
-              <a:rPr lang="en-US" sz="1300" dirty="0" err="1">
-                <a:latin typeface="Times New Roman" panose="02020603050405020304" pitchFamily="18" charset="0"/>
-                <a:cs typeface="Times New Roman" panose="02020603050405020304" pitchFamily="18" charset="0"/>
-              </a:rPr>
-              <a:t>hỗ</a:t>
-            </a:r>
-            <a:r>
-              <a:rPr lang="en-US" sz="1300" dirty="0">
                 <a:latin typeface="Times New Roman" panose="02020603050405020304" pitchFamily="18" charset="0"/>
                 <a:cs typeface="Times New Roman" panose="02020603050405020304" pitchFamily="18" charset="0"/>
               </a:rPr>
@@ -38080,7 +37771,7 @@
                 <a:hlinkClick r:id="rId3">
                   <a:extLst>
                     <a:ext uri="{A12FA001-AC4F-418D-AE19-62706E023703}">
-                      <ahyp:hlinkClr xmlns="" xmlns:ahyp="http://schemas.microsoft.com/office/drawing/2018/hyperlinkcolor" val="tx"/>
+                      <ahyp:hlinkClr xmlns:ahyp="http://schemas.microsoft.com/office/drawing/2018/hyperlinkcolor" xmlns="" val="tx"/>
                     </a:ext>
                   </a:extLst>
                 </a:hlinkClick>

--- a/Đồ án tốt nghiệp.pptx
+++ b/Đồ án tốt nghiệp.pptx
@@ -29,20 +29,20 @@
   <p:notesSz cx="6858000" cy="9144000"/>
   <p:embeddedFontLst>
     <p:embeddedFont>
-      <p:font typeface="Calibri" panose="020F0502020204030204" pitchFamily="34" charset="0"/>
+      <p:font typeface="Bebas Neue" panose="020B0604020202020204" charset="0"/>
       <p:regular r:id="rId19"/>
-      <p:bold r:id="rId20"/>
-      <p:italic r:id="rId21"/>
-      <p:boldItalic r:id="rId22"/>
-    </p:embeddedFont>
-    <p:embeddedFont>
-      <p:font typeface="Bebas Neue" panose="020B0604020202020204" charset="0"/>
-      <p:regular r:id="rId23"/>
     </p:embeddedFont>
     <p:embeddedFont>
       <p:font typeface="Calibri Light" panose="020F0302020204030204" pitchFamily="34" charset="0"/>
-      <p:regular r:id="rId24"/>
-      <p:italic r:id="rId25"/>
+      <p:regular r:id="rId20"/>
+      <p:italic r:id="rId21"/>
+    </p:embeddedFont>
+    <p:embeddedFont>
+      <p:font typeface="Calibri" panose="020F0502020204030204" pitchFamily="34" charset="0"/>
+      <p:regular r:id="rId22"/>
+      <p:bold r:id="rId23"/>
+      <p:italic r:id="rId24"/>
+      <p:boldItalic r:id="rId25"/>
     </p:embeddedFont>
   </p:embeddedFontLst>
   <p:defaultTextStyle>
@@ -2008,7 +2008,7 @@
             <a:fld id="{B61BEF0D-F0BB-DE4B-95CE-6DB70DBA9567}" type="datetimeFigureOut">
               <a:rPr lang="en-US" smtClean="0"/>
               <a:pPr/>
-              <a:t>15/6/2022</a:t>
+              <a:t>16/6/2022</a:t>
             </a:fld>
             <a:endParaRPr lang="en-US" dirty="0"/>
           </a:p>
@@ -2192,7 +2192,7 @@
             <a:fld id="{B61BEF0D-F0BB-DE4B-95CE-6DB70DBA9567}" type="datetimeFigureOut">
               <a:rPr lang="en-US" smtClean="0"/>
               <a:pPr/>
-              <a:t>15/6/2022</a:t>
+              <a:t>16/6/2022</a:t>
             </a:fld>
             <a:endParaRPr lang="en-US" dirty="0"/>
           </a:p>
@@ -2386,7 +2386,7 @@
             <a:fld id="{B61BEF0D-F0BB-DE4B-95CE-6DB70DBA9567}" type="datetimeFigureOut">
               <a:rPr lang="en-US" smtClean="0"/>
               <a:pPr/>
-              <a:t>15/6/2022</a:t>
+              <a:t>16/6/2022</a:t>
             </a:fld>
             <a:endParaRPr lang="en-US" dirty="0"/>
           </a:p>
@@ -3462,7 +3462,7 @@
           <a:p>
             <a:fld id="{52647F38-B617-4D2F-AE0A-013F0C4D2C57}" type="datetimeFigureOut">
               <a:rPr lang="en-US" smtClean="0"/>
-              <a:t>15/6/2022</a:t>
+              <a:t>16/6/2022</a:t>
             </a:fld>
             <a:endParaRPr lang="en-US" dirty="0"/>
           </a:p>
@@ -3723,7 +3723,7 @@
             <a:fld id="{B61BEF0D-F0BB-DE4B-95CE-6DB70DBA9567}" type="datetimeFigureOut">
               <a:rPr lang="en-US" smtClean="0"/>
               <a:pPr/>
-              <a:t>15/6/2022</a:t>
+              <a:t>16/6/2022</a:t>
             </a:fld>
             <a:endParaRPr lang="en-US" dirty="0"/>
           </a:p>
@@ -3967,7 +3967,7 @@
           <a:p>
             <a:fld id="{05BFA754-D5C3-4E66-96A6-867B257F58DC}" type="datetimeFigureOut">
               <a:rPr lang="en-US" smtClean="0"/>
-              <a:t>15/6/2022</a:t>
+              <a:t>16/6/2022</a:t>
             </a:fld>
             <a:endParaRPr lang="en-US" dirty="0"/>
           </a:p>
@@ -4347,7 +4347,7 @@
             <a:fld id="{B61BEF0D-F0BB-DE4B-95CE-6DB70DBA9567}" type="datetimeFigureOut">
               <a:rPr lang="en-US" smtClean="0"/>
               <a:pPr/>
-              <a:t>15/6/2022</a:t>
+              <a:t>16/6/2022</a:t>
             </a:fld>
             <a:endParaRPr lang="en-US" dirty="0"/>
           </a:p>
@@ -4480,7 +4480,7 @@
             <a:fld id="{B61BEF0D-F0BB-DE4B-95CE-6DB70DBA9567}" type="datetimeFigureOut">
               <a:rPr lang="en-US" smtClean="0"/>
               <a:pPr/>
-              <a:t>15/6/2022</a:t>
+              <a:t>16/6/2022</a:t>
             </a:fld>
             <a:endParaRPr lang="en-US" dirty="0"/>
           </a:p>
@@ -4591,7 +4591,7 @@
             <a:fld id="{B61BEF0D-F0BB-DE4B-95CE-6DB70DBA9567}" type="datetimeFigureOut">
               <a:rPr lang="en-US" smtClean="0"/>
               <a:pPr/>
-              <a:t>15/6/2022</a:t>
+              <a:t>16/6/2022</a:t>
             </a:fld>
             <a:endParaRPr lang="en-US" dirty="0"/>
           </a:p>
@@ -4876,7 +4876,7 @@
             <a:fld id="{B61BEF0D-F0BB-DE4B-95CE-6DB70DBA9567}" type="datetimeFigureOut">
               <a:rPr lang="en-US" smtClean="0"/>
               <a:pPr/>
-              <a:t>15/6/2022</a:t>
+              <a:t>16/6/2022</a:t>
             </a:fld>
             <a:endParaRPr lang="en-US" dirty="0"/>
           </a:p>
@@ -5144,7 +5144,7 @@
             <a:fld id="{B61BEF0D-F0BB-DE4B-95CE-6DB70DBA9567}" type="datetimeFigureOut">
               <a:rPr lang="en-US" smtClean="0"/>
               <a:pPr/>
-              <a:t>15/6/2022</a:t>
+              <a:t>16/6/2022</a:t>
             </a:fld>
             <a:endParaRPr lang="en-US" dirty="0"/>
           </a:p>
@@ -5381,7 +5381,7 @@
             <a:fld id="{B61BEF0D-F0BB-DE4B-95CE-6DB70DBA9567}" type="datetimeFigureOut">
               <a:rPr lang="en-US" smtClean="0"/>
               <a:pPr/>
-              <a:t>15/6/2022</a:t>
+              <a:t>16/6/2022</a:t>
             </a:fld>
             <a:endParaRPr lang="en-US" dirty="0"/>
           </a:p>
@@ -16701,34 +16701,6 @@
           <a:chExt cx="0" cy="0"/>
         </a:xfrm>
       </p:grpSpPr>
-      <p:pic>
-        <p:nvPicPr>
-          <p:cNvPr id="80" name="Google Shape;80;p14"/>
-          <p:cNvPicPr preferRelativeResize="0"/>
-          <p:nvPr/>
-        </p:nvPicPr>
-        <p:blipFill>
-          <a:blip r:embed="rId4">
-            <a:alphaModFix/>
-          </a:blip>
-          <a:stretch>
-            <a:fillRect/>
-          </a:stretch>
-        </p:blipFill>
-        <p:spPr>
-          <a:xfrm>
-            <a:off x="-197893" y="-22178"/>
-            <a:ext cx="987362" cy="1087598"/>
-          </a:xfrm>
-          <a:prstGeom prst="rect">
-            <a:avLst/>
-          </a:prstGeom>
-          <a:noFill/>
-          <a:ln>
-            <a:noFill/>
-          </a:ln>
-        </p:spPr>
-      </p:pic>
       <p:sp>
         <p:nvSpPr>
           <p:cNvPr id="81" name="Google Shape;81;p14"/>
@@ -16741,7 +16713,7 @@
         </p:nvSpPr>
         <p:spPr>
           <a:xfrm>
-            <a:off x="966450" y="305800"/>
+            <a:off x="329141" y="181109"/>
             <a:ext cx="3562455" cy="573837"/>
           </a:xfrm>
           <a:prstGeom prst="rect">
@@ -20735,14 +20707,7 @@
                 <a:latin typeface="Times New Roman" panose="02020603050405020304" pitchFamily="18" charset="0"/>
                 <a:cs typeface="Times New Roman" panose="02020603050405020304" pitchFamily="18" charset="0"/>
               </a:rPr>
-              <a:t>Đ</a:t>
-            </a:r>
-            <a:r>
-              <a:rPr lang="en-US" sz="1400" dirty="0" err="1" smtClean="0">
-                <a:latin typeface="Times New Roman" panose="02020603050405020304" pitchFamily="18" charset="0"/>
-                <a:cs typeface="Times New Roman" panose="02020603050405020304" pitchFamily="18" charset="0"/>
-              </a:rPr>
-              <a:t>ầy</a:t>
+              <a:t>Đầy</a:t>
             </a:r>
             <a:r>
               <a:rPr lang="en-US" sz="1400" dirty="0" smtClean="0">
@@ -37493,14 +37458,7 @@
                 <a:latin typeface="Times New Roman" panose="02020603050405020304" pitchFamily="18" charset="0"/>
                 <a:cs typeface="Times New Roman" panose="02020603050405020304" pitchFamily="18" charset="0"/>
               </a:rPr>
-              <a:t>H</a:t>
-            </a:r>
-            <a:r>
-              <a:rPr lang="en-US" sz="1300" dirty="0" err="1" smtClean="0">
-                <a:latin typeface="Times New Roman" panose="02020603050405020304" pitchFamily="18" charset="0"/>
-                <a:cs typeface="Times New Roman" panose="02020603050405020304" pitchFamily="18" charset="0"/>
-              </a:rPr>
-              <a:t>ỗ</a:t>
+              <a:t>Hỗ</a:t>
             </a:r>
             <a:r>
               <a:rPr lang="en-US" sz="1300" dirty="0" smtClean="0">
@@ -37771,7 +37729,7 @@
                 <a:hlinkClick r:id="rId3">
                   <a:extLst>
                     <a:ext uri="{A12FA001-AC4F-418D-AE19-62706E023703}">
-                      <ahyp:hlinkClr xmlns:ahyp="http://schemas.microsoft.com/office/drawing/2018/hyperlinkcolor" xmlns="" val="tx"/>
+                      <ahyp:hlinkClr xmlns="" xmlns:ahyp="http://schemas.microsoft.com/office/drawing/2018/hyperlinkcolor" val="tx"/>
                     </a:ext>
                   </a:extLst>
                 </a:hlinkClick>
